--- a/Files/ppt_Github.pptx
+++ b/Files/ppt_Github.pptx
@@ -16,6 +16,13 @@
     <p:sldId id="264" r:id="rId28"/>
     <p:sldId id="265" r:id="rId29"/>
     <p:sldId id="266" r:id="rId30"/>
+    <p:sldId id="267" r:id="rId31"/>
+    <p:sldId id="268" r:id="rId32"/>
+    <p:sldId id="269" r:id="rId33"/>
+    <p:sldId id="270" r:id="rId34"/>
+    <p:sldId id="271" r:id="rId35"/>
+    <p:sldId id="272" r:id="rId36"/>
+    <p:sldId id="273" r:id="rId37"/>
   </p:sldIdLst>
   <p:sldSz cx="18288000" cy="10287000"/>
   <p:notesSz cx="6858000" cy="9144000"/>
@@ -3666,8 +3673,8 @@
         </p:nvSpPr>
         <p:spPr>
           <a:xfrm flipH="false" flipV="false" rot="0">
-            <a:off x="2701383" y="2412077"/>
-            <a:ext cx="13883161" cy="7536988"/>
+            <a:off x="359452" y="2766063"/>
+            <a:ext cx="8610046" cy="6827039"/>
           </a:xfrm>
           <a:custGeom>
             <a:avLst/>
@@ -3676,18 +3683,18 @@
             <a:cxnLst/>
             <a:rect r="r" b="b" t="t" l="l"/>
             <a:pathLst>
-              <a:path h="7536988" w="13883161">
+              <a:path h="6827039" w="8610046">
                 <a:moveTo>
                   <a:pt x="0" y="0"/>
                 </a:moveTo>
                 <a:lnTo>
-                  <a:pt x="13883161" y="0"/>
-                </a:lnTo>
-                <a:lnTo>
-                  <a:pt x="13883161" y="7536988"/>
-                </a:lnTo>
-                <a:lnTo>
-                  <a:pt x="0" y="7536988"/>
+                  <a:pt x="8610046" y="0"/>
+                </a:lnTo>
+                <a:lnTo>
+                  <a:pt x="8610046" y="6827039"/>
+                </a:lnTo>
+                <a:lnTo>
+                  <a:pt x="0" y="6827039"/>
                 </a:lnTo>
                 <a:lnTo>
                   <a:pt x="0" y="0"/>
@@ -3706,14 +3713,60 @@
       </p:sp>
       <p:sp>
         <p:nvSpPr>
-          <p:cNvPr name="TextBox 6" id="6"/>
+          <p:cNvPr name="Freeform 6" id="6"/>
+          <p:cNvSpPr/>
+          <p:nvPr/>
+        </p:nvSpPr>
+        <p:spPr>
+          <a:xfrm flipH="false" flipV="false" rot="0">
+            <a:off x="9653195" y="3000238"/>
+            <a:ext cx="8214820" cy="5934622"/>
+          </a:xfrm>
+          <a:custGeom>
+            <a:avLst/>
+            <a:gdLst/>
+            <a:ahLst/>
+            <a:cxnLst/>
+            <a:rect r="r" b="b" t="t" l="l"/>
+            <a:pathLst>
+              <a:path h="5934622" w="8214820">
+                <a:moveTo>
+                  <a:pt x="0" y="0"/>
+                </a:moveTo>
+                <a:lnTo>
+                  <a:pt x="8214820" y="0"/>
+                </a:lnTo>
+                <a:lnTo>
+                  <a:pt x="8214820" y="5934623"/>
+                </a:lnTo>
+                <a:lnTo>
+                  <a:pt x="0" y="5934623"/>
+                </a:lnTo>
+                <a:lnTo>
+                  <a:pt x="0" y="0"/>
+                </a:lnTo>
+                <a:close/>
+              </a:path>
+            </a:pathLst>
+          </a:custGeom>
+          <a:blipFill>
+            <a:blip r:embed="rId9"/>
+            <a:stretch>
+              <a:fillRect l="0" t="0" r="0" b="0"/>
+            </a:stretch>
+          </a:blipFill>
+        </p:spPr>
+      </p:sp>
+      <p:sp>
+        <p:nvSpPr>
+          <p:cNvPr name="TextBox 7" id="7"/>
           <p:cNvSpPr txBox="true"/>
           <p:nvPr/>
         </p:nvSpPr>
         <p:spPr>
           <a:xfrm rot="0">
             <a:off x="4283973" y="144492"/>
-            <a:ext cx="10281557" cy="2267585"/>
+            <a:ext cx="7856167" cy="2267585"/>
           </a:xfrm>
           <a:prstGeom prst="rect">
             <a:avLst/>
@@ -3737,7 +3790,7 @@
                 </a:solidFill>
                 <a:latin typeface="Kollektif Bold"/>
               </a:rPr>
-              <a:t>Paso 7, subir los cambios a la nube</a:t>
+              <a:t>Paso 3, crear un nuevo repositorio </a:t>
             </a:r>
           </a:p>
         </p:txBody>
@@ -3751,7 +3804,7 @@
 </file>
 
 <file path=ppt/slides/slide11.xml><?xml version="1.0" encoding="utf-8"?>
-<p:sld xmlns:p="http://schemas.openxmlformats.org/presentationml/2006/main" xmlns:a="http://schemas.openxmlformats.org/drawingml/2006/main">
+<p:sld xmlns:p="http://schemas.openxmlformats.org/presentationml/2006/main" xmlns:a="http://schemas.openxmlformats.org/drawingml/2006/main" xmlns:r="http://schemas.openxmlformats.org/officeDocument/2006/relationships">
   <p:cSld>
     <p:bg>
       <p:bgPr>
@@ -3774,6 +3827,3134 @@
           <a:chExt cx="0" cy="0"/>
         </a:xfrm>
       </p:grpSpPr>
+      <p:sp>
+        <p:nvSpPr>
+          <p:cNvPr name="Freeform 2" id="2"/>
+          <p:cNvSpPr/>
+          <p:nvPr/>
+        </p:nvSpPr>
+        <p:spPr>
+          <a:xfrm flipH="false" flipV="false" rot="0">
+            <a:off x="17192315" y="612415"/>
+            <a:ext cx="559181" cy="296366"/>
+          </a:xfrm>
+          <a:custGeom>
+            <a:avLst/>
+            <a:gdLst/>
+            <a:ahLst/>
+            <a:cxnLst/>
+            <a:rect r="r" b="b" t="t" l="l"/>
+            <a:pathLst>
+              <a:path h="296366" w="559181">
+                <a:moveTo>
+                  <a:pt x="0" y="0"/>
+                </a:moveTo>
+                <a:lnTo>
+                  <a:pt x="559182" y="0"/>
+                </a:lnTo>
+                <a:lnTo>
+                  <a:pt x="559182" y="296366"/>
+                </a:lnTo>
+                <a:lnTo>
+                  <a:pt x="0" y="296366"/>
+                </a:lnTo>
+                <a:lnTo>
+                  <a:pt x="0" y="0"/>
+                </a:lnTo>
+                <a:close/>
+              </a:path>
+            </a:pathLst>
+          </a:custGeom>
+          <a:blipFill>
+            <a:blip r:embed="rId2">
+              <a:extLst>
+                <a:ext uri="{96DAC541-7B7A-43D3-8B79-37D633B846F1}">
+                  <asvg:svgBlip xmlns:asvg="http://schemas.microsoft.com/office/drawing/2016/SVG/main" r:embed="rId3"/>
+                </a:ext>
+              </a:extLst>
+            </a:blip>
+            <a:stretch>
+              <a:fillRect l="0" t="0" r="0" b="0"/>
+            </a:stretch>
+          </a:blipFill>
+        </p:spPr>
+      </p:sp>
+      <p:sp>
+        <p:nvSpPr>
+          <p:cNvPr name="Freeform 3" id="3"/>
+          <p:cNvSpPr/>
+          <p:nvPr/>
+        </p:nvSpPr>
+        <p:spPr>
+          <a:xfrm flipH="false" flipV="false" rot="0">
+            <a:off x="-2843309" y="1268486"/>
+            <a:ext cx="6873872" cy="162473"/>
+          </a:xfrm>
+          <a:custGeom>
+            <a:avLst/>
+            <a:gdLst/>
+            <a:ahLst/>
+            <a:cxnLst/>
+            <a:rect r="r" b="b" t="t" l="l"/>
+            <a:pathLst>
+              <a:path h="162473" w="6873872">
+                <a:moveTo>
+                  <a:pt x="0" y="0"/>
+                </a:moveTo>
+                <a:lnTo>
+                  <a:pt x="6873873" y="0"/>
+                </a:lnTo>
+                <a:lnTo>
+                  <a:pt x="6873873" y="162473"/>
+                </a:lnTo>
+                <a:lnTo>
+                  <a:pt x="0" y="162473"/>
+                </a:lnTo>
+                <a:lnTo>
+                  <a:pt x="0" y="0"/>
+                </a:lnTo>
+                <a:close/>
+              </a:path>
+            </a:pathLst>
+          </a:custGeom>
+          <a:blipFill>
+            <a:blip r:embed="rId4">
+              <a:extLst>
+                <a:ext uri="{96DAC541-7B7A-43D3-8B79-37D633B846F1}">
+                  <asvg:svgBlip xmlns:asvg="http://schemas.microsoft.com/office/drawing/2016/SVG/main" r:embed="rId5"/>
+                </a:ext>
+              </a:extLst>
+            </a:blip>
+            <a:stretch>
+              <a:fillRect l="0" t="0" r="0" b="0"/>
+            </a:stretch>
+          </a:blipFill>
+        </p:spPr>
+      </p:sp>
+      <p:sp>
+        <p:nvSpPr>
+          <p:cNvPr name="Freeform 4" id="4"/>
+          <p:cNvSpPr/>
+          <p:nvPr/>
+        </p:nvSpPr>
+        <p:spPr>
+          <a:xfrm flipH="false" flipV="false" rot="0">
+            <a:off x="1059746" y="760598"/>
+            <a:ext cx="300896" cy="300896"/>
+          </a:xfrm>
+          <a:custGeom>
+            <a:avLst/>
+            <a:gdLst/>
+            <a:ahLst/>
+            <a:cxnLst/>
+            <a:rect r="r" b="b" t="t" l="l"/>
+            <a:pathLst>
+              <a:path h="300896" w="300896">
+                <a:moveTo>
+                  <a:pt x="0" y="0"/>
+                </a:moveTo>
+                <a:lnTo>
+                  <a:pt x="300896" y="0"/>
+                </a:lnTo>
+                <a:lnTo>
+                  <a:pt x="300896" y="300895"/>
+                </a:lnTo>
+                <a:lnTo>
+                  <a:pt x="0" y="300895"/>
+                </a:lnTo>
+                <a:lnTo>
+                  <a:pt x="0" y="0"/>
+                </a:lnTo>
+                <a:close/>
+              </a:path>
+            </a:pathLst>
+          </a:custGeom>
+          <a:blipFill>
+            <a:blip r:embed="rId6">
+              <a:extLst>
+                <a:ext uri="{96DAC541-7B7A-43D3-8B79-37D633B846F1}">
+                  <asvg:svgBlip xmlns:asvg="http://schemas.microsoft.com/office/drawing/2016/SVG/main" r:embed="rId7"/>
+                </a:ext>
+              </a:extLst>
+            </a:blip>
+            <a:stretch>
+              <a:fillRect l="0" t="0" r="0" b="0"/>
+            </a:stretch>
+          </a:blipFill>
+        </p:spPr>
+      </p:sp>
+      <p:sp>
+        <p:nvSpPr>
+          <p:cNvPr name="Freeform 5" id="5"/>
+          <p:cNvSpPr/>
+          <p:nvPr/>
+        </p:nvSpPr>
+        <p:spPr>
+          <a:xfrm flipH="false" flipV="false" rot="0">
+            <a:off x="3038474" y="1837812"/>
+            <a:ext cx="12772557" cy="7758649"/>
+          </a:xfrm>
+          <a:custGeom>
+            <a:avLst/>
+            <a:gdLst/>
+            <a:ahLst/>
+            <a:cxnLst/>
+            <a:rect r="r" b="b" t="t" l="l"/>
+            <a:pathLst>
+              <a:path h="7758649" w="12772557">
+                <a:moveTo>
+                  <a:pt x="0" y="0"/>
+                </a:moveTo>
+                <a:lnTo>
+                  <a:pt x="12772556" y="0"/>
+                </a:lnTo>
+                <a:lnTo>
+                  <a:pt x="12772556" y="7758649"/>
+                </a:lnTo>
+                <a:lnTo>
+                  <a:pt x="0" y="7758649"/>
+                </a:lnTo>
+                <a:lnTo>
+                  <a:pt x="0" y="0"/>
+                </a:lnTo>
+                <a:close/>
+              </a:path>
+            </a:pathLst>
+          </a:custGeom>
+          <a:blipFill>
+            <a:blip r:embed="rId8"/>
+            <a:stretch>
+              <a:fillRect l="0" t="0" r="0" b="0"/>
+            </a:stretch>
+          </a:blipFill>
+        </p:spPr>
+      </p:sp>
+      <p:sp>
+        <p:nvSpPr>
+          <p:cNvPr name="TextBox 6" id="6"/>
+          <p:cNvSpPr txBox="true"/>
+          <p:nvPr/>
+        </p:nvSpPr>
+        <p:spPr>
+          <a:xfrm rot="0">
+            <a:off x="4283973" y="144492"/>
+            <a:ext cx="10281557" cy="1200785"/>
+          </a:xfrm>
+          <a:prstGeom prst="rect">
+            <a:avLst/>
+          </a:prstGeom>
+        </p:spPr>
+        <p:txBody>
+          <a:bodyPr anchor="t" rtlCol="false" tIns="0" lIns="0" bIns="0" rIns="0">
+            <a:spAutoFit/>
+          </a:bodyPr>
+          <a:lstStyle/>
+          <a:p>
+            <a:pPr>
+              <a:lnSpc>
+                <a:spcPts val="8469"/>
+              </a:lnSpc>
+            </a:pPr>
+            <a:r>
+              <a:rPr lang="en-US" sz="6999">
+                <a:solidFill>
+                  <a:srgbClr val="FFFFFF"/>
+                </a:solidFill>
+                <a:latin typeface="Kollektif Bold"/>
+              </a:rPr>
+              <a:t>Paso 4, publicar cambios</a:t>
+            </a:r>
+          </a:p>
+        </p:txBody>
+      </p:sp>
+    </p:spTree>
+  </p:cSld>
+  <p:clrMapOvr>
+    <a:masterClrMapping/>
+  </p:clrMapOvr>
+</p:sld>
+</file>
+
+<file path=ppt/slides/slide12.xml><?xml version="1.0" encoding="utf-8"?>
+<p:sld xmlns:p="http://schemas.openxmlformats.org/presentationml/2006/main" xmlns:a="http://schemas.openxmlformats.org/drawingml/2006/main" xmlns:r="http://schemas.openxmlformats.org/officeDocument/2006/relationships">
+  <p:cSld>
+    <p:bg>
+      <p:bgPr>
+        <a:solidFill>
+          <a:srgbClr val="1E1E1E"/>
+        </a:solidFill>
+      </p:bgPr>
+    </p:bg>
+    <p:spTree>
+      <p:nvGrpSpPr>
+        <p:cNvPr id="1" name=""/>
+        <p:cNvGrpSpPr/>
+        <p:nvPr/>
+      </p:nvGrpSpPr>
+      <p:grpSpPr>
+        <a:xfrm>
+          <a:off x="0" y="0"/>
+          <a:ext cx="0" cy="0"/>
+          <a:chOff x="0" y="0"/>
+          <a:chExt cx="0" cy="0"/>
+        </a:xfrm>
+      </p:grpSpPr>
+      <p:sp>
+        <p:nvSpPr>
+          <p:cNvPr name="Freeform 2" id="2"/>
+          <p:cNvSpPr/>
+          <p:nvPr/>
+        </p:nvSpPr>
+        <p:spPr>
+          <a:xfrm flipH="false" flipV="false" rot="0">
+            <a:off x="17192315" y="612415"/>
+            <a:ext cx="559181" cy="296366"/>
+          </a:xfrm>
+          <a:custGeom>
+            <a:avLst/>
+            <a:gdLst/>
+            <a:ahLst/>
+            <a:cxnLst/>
+            <a:rect r="r" b="b" t="t" l="l"/>
+            <a:pathLst>
+              <a:path h="296366" w="559181">
+                <a:moveTo>
+                  <a:pt x="0" y="0"/>
+                </a:moveTo>
+                <a:lnTo>
+                  <a:pt x="559182" y="0"/>
+                </a:lnTo>
+                <a:lnTo>
+                  <a:pt x="559182" y="296366"/>
+                </a:lnTo>
+                <a:lnTo>
+                  <a:pt x="0" y="296366"/>
+                </a:lnTo>
+                <a:lnTo>
+                  <a:pt x="0" y="0"/>
+                </a:lnTo>
+                <a:close/>
+              </a:path>
+            </a:pathLst>
+          </a:custGeom>
+          <a:blipFill>
+            <a:blip r:embed="rId2">
+              <a:extLst>
+                <a:ext uri="{96DAC541-7B7A-43D3-8B79-37D633B846F1}">
+                  <asvg:svgBlip xmlns:asvg="http://schemas.microsoft.com/office/drawing/2016/SVG/main" r:embed="rId3"/>
+                </a:ext>
+              </a:extLst>
+            </a:blip>
+            <a:stretch>
+              <a:fillRect l="0" t="0" r="0" b="0"/>
+            </a:stretch>
+          </a:blipFill>
+        </p:spPr>
+      </p:sp>
+      <p:sp>
+        <p:nvSpPr>
+          <p:cNvPr name="Freeform 3" id="3"/>
+          <p:cNvSpPr/>
+          <p:nvPr/>
+        </p:nvSpPr>
+        <p:spPr>
+          <a:xfrm flipH="false" flipV="false" rot="0">
+            <a:off x="-2843309" y="1268486"/>
+            <a:ext cx="6873872" cy="162473"/>
+          </a:xfrm>
+          <a:custGeom>
+            <a:avLst/>
+            <a:gdLst/>
+            <a:ahLst/>
+            <a:cxnLst/>
+            <a:rect r="r" b="b" t="t" l="l"/>
+            <a:pathLst>
+              <a:path h="162473" w="6873872">
+                <a:moveTo>
+                  <a:pt x="0" y="0"/>
+                </a:moveTo>
+                <a:lnTo>
+                  <a:pt x="6873873" y="0"/>
+                </a:lnTo>
+                <a:lnTo>
+                  <a:pt x="6873873" y="162473"/>
+                </a:lnTo>
+                <a:lnTo>
+                  <a:pt x="0" y="162473"/>
+                </a:lnTo>
+                <a:lnTo>
+                  <a:pt x="0" y="0"/>
+                </a:lnTo>
+                <a:close/>
+              </a:path>
+            </a:pathLst>
+          </a:custGeom>
+          <a:blipFill>
+            <a:blip r:embed="rId4">
+              <a:extLst>
+                <a:ext uri="{96DAC541-7B7A-43D3-8B79-37D633B846F1}">
+                  <asvg:svgBlip xmlns:asvg="http://schemas.microsoft.com/office/drawing/2016/SVG/main" r:embed="rId5"/>
+                </a:ext>
+              </a:extLst>
+            </a:blip>
+            <a:stretch>
+              <a:fillRect l="0" t="0" r="0" b="0"/>
+            </a:stretch>
+          </a:blipFill>
+        </p:spPr>
+      </p:sp>
+      <p:sp>
+        <p:nvSpPr>
+          <p:cNvPr name="Freeform 4" id="4"/>
+          <p:cNvSpPr/>
+          <p:nvPr/>
+        </p:nvSpPr>
+        <p:spPr>
+          <a:xfrm flipH="false" flipV="false" rot="0">
+            <a:off x="1059746" y="760598"/>
+            <a:ext cx="300896" cy="300896"/>
+          </a:xfrm>
+          <a:custGeom>
+            <a:avLst/>
+            <a:gdLst/>
+            <a:ahLst/>
+            <a:cxnLst/>
+            <a:rect r="r" b="b" t="t" l="l"/>
+            <a:pathLst>
+              <a:path h="300896" w="300896">
+                <a:moveTo>
+                  <a:pt x="0" y="0"/>
+                </a:moveTo>
+                <a:lnTo>
+                  <a:pt x="300896" y="0"/>
+                </a:lnTo>
+                <a:lnTo>
+                  <a:pt x="300896" y="300895"/>
+                </a:lnTo>
+                <a:lnTo>
+                  <a:pt x="0" y="300895"/>
+                </a:lnTo>
+                <a:lnTo>
+                  <a:pt x="0" y="0"/>
+                </a:lnTo>
+                <a:close/>
+              </a:path>
+            </a:pathLst>
+          </a:custGeom>
+          <a:blipFill>
+            <a:blip r:embed="rId6">
+              <a:extLst>
+                <a:ext uri="{96DAC541-7B7A-43D3-8B79-37D633B846F1}">
+                  <asvg:svgBlip xmlns:asvg="http://schemas.microsoft.com/office/drawing/2016/SVG/main" r:embed="rId7"/>
+                </a:ext>
+              </a:extLst>
+            </a:blip>
+            <a:stretch>
+              <a:fillRect l="0" t="0" r="0" b="0"/>
+            </a:stretch>
+          </a:blipFill>
+        </p:spPr>
+      </p:sp>
+      <p:sp>
+        <p:nvSpPr>
+          <p:cNvPr name="Freeform 5" id="5"/>
+          <p:cNvSpPr/>
+          <p:nvPr/>
+        </p:nvSpPr>
+        <p:spPr>
+          <a:xfrm flipH="false" flipV="false" rot="0">
+            <a:off x="3310444" y="2412077"/>
+            <a:ext cx="11667112" cy="7335529"/>
+          </a:xfrm>
+          <a:custGeom>
+            <a:avLst/>
+            <a:gdLst/>
+            <a:ahLst/>
+            <a:cxnLst/>
+            <a:rect r="r" b="b" t="t" l="l"/>
+            <a:pathLst>
+              <a:path h="7335529" w="11667112">
+                <a:moveTo>
+                  <a:pt x="0" y="0"/>
+                </a:moveTo>
+                <a:lnTo>
+                  <a:pt x="11667112" y="0"/>
+                </a:lnTo>
+                <a:lnTo>
+                  <a:pt x="11667112" y="7335530"/>
+                </a:lnTo>
+                <a:lnTo>
+                  <a:pt x="0" y="7335530"/>
+                </a:lnTo>
+                <a:lnTo>
+                  <a:pt x="0" y="0"/>
+                </a:lnTo>
+                <a:close/>
+              </a:path>
+            </a:pathLst>
+          </a:custGeom>
+          <a:blipFill>
+            <a:blip r:embed="rId8"/>
+            <a:stretch>
+              <a:fillRect l="0" t="0" r="0" b="0"/>
+            </a:stretch>
+          </a:blipFill>
+        </p:spPr>
+      </p:sp>
+      <p:sp>
+        <p:nvSpPr>
+          <p:cNvPr name="TextBox 6" id="6"/>
+          <p:cNvSpPr txBox="true"/>
+          <p:nvPr/>
+        </p:nvSpPr>
+        <p:spPr>
+          <a:xfrm rot="0">
+            <a:off x="4283973" y="144492"/>
+            <a:ext cx="11786972" cy="2267585"/>
+          </a:xfrm>
+          <a:prstGeom prst="rect">
+            <a:avLst/>
+          </a:prstGeom>
+        </p:spPr>
+        <p:txBody>
+          <a:bodyPr anchor="t" rtlCol="false" tIns="0" lIns="0" bIns="0" rIns="0">
+            <a:spAutoFit/>
+          </a:bodyPr>
+          <a:lstStyle/>
+          <a:p>
+            <a:pPr>
+              <a:lnSpc>
+                <a:spcPts val="8469"/>
+              </a:lnSpc>
+            </a:pPr>
+            <a:r>
+              <a:rPr lang="en-US" sz="6999">
+                <a:solidFill>
+                  <a:srgbClr val="FFFFFF"/>
+                </a:solidFill>
+                <a:latin typeface="Kollektif Bold"/>
+              </a:rPr>
+              <a:t>Paso 5, realizar cambios en el código de manera local</a:t>
+            </a:r>
+          </a:p>
+        </p:txBody>
+      </p:sp>
+    </p:spTree>
+  </p:cSld>
+  <p:clrMapOvr>
+    <a:masterClrMapping/>
+  </p:clrMapOvr>
+</p:sld>
+</file>
+
+<file path=ppt/slides/slide13.xml><?xml version="1.0" encoding="utf-8"?>
+<p:sld xmlns:p="http://schemas.openxmlformats.org/presentationml/2006/main" xmlns:a="http://schemas.openxmlformats.org/drawingml/2006/main" xmlns:r="http://schemas.openxmlformats.org/officeDocument/2006/relationships">
+  <p:cSld>
+    <p:bg>
+      <p:bgPr>
+        <a:solidFill>
+          <a:srgbClr val="1E1E1E"/>
+        </a:solidFill>
+      </p:bgPr>
+    </p:bg>
+    <p:spTree>
+      <p:nvGrpSpPr>
+        <p:cNvPr id="1" name=""/>
+        <p:cNvGrpSpPr/>
+        <p:nvPr/>
+      </p:nvGrpSpPr>
+      <p:grpSpPr>
+        <a:xfrm>
+          <a:off x="0" y="0"/>
+          <a:ext cx="0" cy="0"/>
+          <a:chOff x="0" y="0"/>
+          <a:chExt cx="0" cy="0"/>
+        </a:xfrm>
+      </p:grpSpPr>
+      <p:sp>
+        <p:nvSpPr>
+          <p:cNvPr name="Freeform 2" id="2"/>
+          <p:cNvSpPr/>
+          <p:nvPr/>
+        </p:nvSpPr>
+        <p:spPr>
+          <a:xfrm flipH="false" flipV="false" rot="0">
+            <a:off x="17192315" y="612415"/>
+            <a:ext cx="559181" cy="296366"/>
+          </a:xfrm>
+          <a:custGeom>
+            <a:avLst/>
+            <a:gdLst/>
+            <a:ahLst/>
+            <a:cxnLst/>
+            <a:rect r="r" b="b" t="t" l="l"/>
+            <a:pathLst>
+              <a:path h="296366" w="559181">
+                <a:moveTo>
+                  <a:pt x="0" y="0"/>
+                </a:moveTo>
+                <a:lnTo>
+                  <a:pt x="559182" y="0"/>
+                </a:lnTo>
+                <a:lnTo>
+                  <a:pt x="559182" y="296366"/>
+                </a:lnTo>
+                <a:lnTo>
+                  <a:pt x="0" y="296366"/>
+                </a:lnTo>
+                <a:lnTo>
+                  <a:pt x="0" y="0"/>
+                </a:lnTo>
+                <a:close/>
+              </a:path>
+            </a:pathLst>
+          </a:custGeom>
+          <a:blipFill>
+            <a:blip r:embed="rId2">
+              <a:extLst>
+                <a:ext uri="{96DAC541-7B7A-43D3-8B79-37D633B846F1}">
+                  <asvg:svgBlip xmlns:asvg="http://schemas.microsoft.com/office/drawing/2016/SVG/main" r:embed="rId3"/>
+                </a:ext>
+              </a:extLst>
+            </a:blip>
+            <a:stretch>
+              <a:fillRect l="0" t="0" r="0" b="0"/>
+            </a:stretch>
+          </a:blipFill>
+        </p:spPr>
+      </p:sp>
+      <p:sp>
+        <p:nvSpPr>
+          <p:cNvPr name="Freeform 3" id="3"/>
+          <p:cNvSpPr/>
+          <p:nvPr/>
+        </p:nvSpPr>
+        <p:spPr>
+          <a:xfrm flipH="false" flipV="false" rot="0">
+            <a:off x="-2843309" y="1268486"/>
+            <a:ext cx="6873872" cy="162473"/>
+          </a:xfrm>
+          <a:custGeom>
+            <a:avLst/>
+            <a:gdLst/>
+            <a:ahLst/>
+            <a:cxnLst/>
+            <a:rect r="r" b="b" t="t" l="l"/>
+            <a:pathLst>
+              <a:path h="162473" w="6873872">
+                <a:moveTo>
+                  <a:pt x="0" y="0"/>
+                </a:moveTo>
+                <a:lnTo>
+                  <a:pt x="6873873" y="0"/>
+                </a:lnTo>
+                <a:lnTo>
+                  <a:pt x="6873873" y="162473"/>
+                </a:lnTo>
+                <a:lnTo>
+                  <a:pt x="0" y="162473"/>
+                </a:lnTo>
+                <a:lnTo>
+                  <a:pt x="0" y="0"/>
+                </a:lnTo>
+                <a:close/>
+              </a:path>
+            </a:pathLst>
+          </a:custGeom>
+          <a:blipFill>
+            <a:blip r:embed="rId4">
+              <a:extLst>
+                <a:ext uri="{96DAC541-7B7A-43D3-8B79-37D633B846F1}">
+                  <asvg:svgBlip xmlns:asvg="http://schemas.microsoft.com/office/drawing/2016/SVG/main" r:embed="rId5"/>
+                </a:ext>
+              </a:extLst>
+            </a:blip>
+            <a:stretch>
+              <a:fillRect l="0" t="0" r="0" b="0"/>
+            </a:stretch>
+          </a:blipFill>
+        </p:spPr>
+      </p:sp>
+      <p:sp>
+        <p:nvSpPr>
+          <p:cNvPr name="Freeform 4" id="4"/>
+          <p:cNvSpPr/>
+          <p:nvPr/>
+        </p:nvSpPr>
+        <p:spPr>
+          <a:xfrm flipH="false" flipV="false" rot="0">
+            <a:off x="1059746" y="760598"/>
+            <a:ext cx="300896" cy="300896"/>
+          </a:xfrm>
+          <a:custGeom>
+            <a:avLst/>
+            <a:gdLst/>
+            <a:ahLst/>
+            <a:cxnLst/>
+            <a:rect r="r" b="b" t="t" l="l"/>
+            <a:pathLst>
+              <a:path h="300896" w="300896">
+                <a:moveTo>
+                  <a:pt x="0" y="0"/>
+                </a:moveTo>
+                <a:lnTo>
+                  <a:pt x="300896" y="0"/>
+                </a:lnTo>
+                <a:lnTo>
+                  <a:pt x="300896" y="300895"/>
+                </a:lnTo>
+                <a:lnTo>
+                  <a:pt x="0" y="300895"/>
+                </a:lnTo>
+                <a:lnTo>
+                  <a:pt x="0" y="0"/>
+                </a:lnTo>
+                <a:close/>
+              </a:path>
+            </a:pathLst>
+          </a:custGeom>
+          <a:blipFill>
+            <a:blip r:embed="rId6">
+              <a:extLst>
+                <a:ext uri="{96DAC541-7B7A-43D3-8B79-37D633B846F1}">
+                  <asvg:svgBlip xmlns:asvg="http://schemas.microsoft.com/office/drawing/2016/SVG/main" r:embed="rId7"/>
+                </a:ext>
+              </a:extLst>
+            </a:blip>
+            <a:stretch>
+              <a:fillRect l="0" t="0" r="0" b="0"/>
+            </a:stretch>
+          </a:blipFill>
+        </p:spPr>
+      </p:sp>
+      <p:sp>
+        <p:nvSpPr>
+          <p:cNvPr name="Freeform 5" id="5"/>
+          <p:cNvSpPr/>
+          <p:nvPr/>
+        </p:nvSpPr>
+        <p:spPr>
+          <a:xfrm flipH="false" flipV="false" rot="0">
+            <a:off x="3516711" y="2207516"/>
+            <a:ext cx="11254579" cy="8079484"/>
+          </a:xfrm>
+          <a:custGeom>
+            <a:avLst/>
+            <a:gdLst/>
+            <a:ahLst/>
+            <a:cxnLst/>
+            <a:rect r="r" b="b" t="t" l="l"/>
+            <a:pathLst>
+              <a:path h="8079484" w="11254579">
+                <a:moveTo>
+                  <a:pt x="0" y="0"/>
+                </a:moveTo>
+                <a:lnTo>
+                  <a:pt x="11254578" y="0"/>
+                </a:lnTo>
+                <a:lnTo>
+                  <a:pt x="11254578" y="8079484"/>
+                </a:lnTo>
+                <a:lnTo>
+                  <a:pt x="0" y="8079484"/>
+                </a:lnTo>
+                <a:lnTo>
+                  <a:pt x="0" y="0"/>
+                </a:lnTo>
+                <a:close/>
+              </a:path>
+            </a:pathLst>
+          </a:custGeom>
+          <a:blipFill>
+            <a:blip r:embed="rId8"/>
+            <a:stretch>
+              <a:fillRect l="0" t="0" r="0" b="0"/>
+            </a:stretch>
+          </a:blipFill>
+        </p:spPr>
+      </p:sp>
+      <p:sp>
+        <p:nvSpPr>
+          <p:cNvPr name="TextBox 6" id="6"/>
+          <p:cNvSpPr txBox="true"/>
+          <p:nvPr/>
+        </p:nvSpPr>
+        <p:spPr>
+          <a:xfrm rot="0">
+            <a:off x="4283973" y="63256"/>
+            <a:ext cx="11368801" cy="2267585"/>
+          </a:xfrm>
+          <a:prstGeom prst="rect">
+            <a:avLst/>
+          </a:prstGeom>
+        </p:spPr>
+        <p:txBody>
+          <a:bodyPr anchor="t" rtlCol="false" tIns="0" lIns="0" bIns="0" rIns="0">
+            <a:spAutoFit/>
+          </a:bodyPr>
+          <a:lstStyle/>
+          <a:p>
+            <a:pPr>
+              <a:lnSpc>
+                <a:spcPts val="8469"/>
+              </a:lnSpc>
+            </a:pPr>
+            <a:r>
+              <a:rPr lang="en-US" sz="6999">
+                <a:solidFill>
+                  <a:srgbClr val="FFFFFF"/>
+                </a:solidFill>
+                <a:latin typeface="Kollektif Bold"/>
+              </a:rPr>
+              <a:t>Paso 6, grabar cambios en la aplicación </a:t>
+            </a:r>
+          </a:p>
+        </p:txBody>
+      </p:sp>
+    </p:spTree>
+  </p:cSld>
+  <p:clrMapOvr>
+    <a:masterClrMapping/>
+  </p:clrMapOvr>
+</p:sld>
+</file>
+
+<file path=ppt/slides/slide14.xml><?xml version="1.0" encoding="utf-8"?>
+<p:sld xmlns:p="http://schemas.openxmlformats.org/presentationml/2006/main" xmlns:a="http://schemas.openxmlformats.org/drawingml/2006/main" xmlns:r="http://schemas.openxmlformats.org/officeDocument/2006/relationships">
+  <p:cSld>
+    <p:bg>
+      <p:bgPr>
+        <a:solidFill>
+          <a:srgbClr val="1E1E1E"/>
+        </a:solidFill>
+      </p:bgPr>
+    </p:bg>
+    <p:spTree>
+      <p:nvGrpSpPr>
+        <p:cNvPr id="1" name=""/>
+        <p:cNvGrpSpPr/>
+        <p:nvPr/>
+      </p:nvGrpSpPr>
+      <p:grpSpPr>
+        <a:xfrm>
+          <a:off x="0" y="0"/>
+          <a:ext cx="0" cy="0"/>
+          <a:chOff x="0" y="0"/>
+          <a:chExt cx="0" cy="0"/>
+        </a:xfrm>
+      </p:grpSpPr>
+      <p:sp>
+        <p:nvSpPr>
+          <p:cNvPr name="Freeform 2" id="2"/>
+          <p:cNvSpPr/>
+          <p:nvPr/>
+        </p:nvSpPr>
+        <p:spPr>
+          <a:xfrm flipH="false" flipV="false" rot="0">
+            <a:off x="17192315" y="612415"/>
+            <a:ext cx="559181" cy="296366"/>
+          </a:xfrm>
+          <a:custGeom>
+            <a:avLst/>
+            <a:gdLst/>
+            <a:ahLst/>
+            <a:cxnLst/>
+            <a:rect r="r" b="b" t="t" l="l"/>
+            <a:pathLst>
+              <a:path h="296366" w="559181">
+                <a:moveTo>
+                  <a:pt x="0" y="0"/>
+                </a:moveTo>
+                <a:lnTo>
+                  <a:pt x="559182" y="0"/>
+                </a:lnTo>
+                <a:lnTo>
+                  <a:pt x="559182" y="296366"/>
+                </a:lnTo>
+                <a:lnTo>
+                  <a:pt x="0" y="296366"/>
+                </a:lnTo>
+                <a:lnTo>
+                  <a:pt x="0" y="0"/>
+                </a:lnTo>
+                <a:close/>
+              </a:path>
+            </a:pathLst>
+          </a:custGeom>
+          <a:blipFill>
+            <a:blip r:embed="rId2">
+              <a:extLst>
+                <a:ext uri="{96DAC541-7B7A-43D3-8B79-37D633B846F1}">
+                  <asvg:svgBlip xmlns:asvg="http://schemas.microsoft.com/office/drawing/2016/SVG/main" r:embed="rId3"/>
+                </a:ext>
+              </a:extLst>
+            </a:blip>
+            <a:stretch>
+              <a:fillRect l="0" t="0" r="0" b="0"/>
+            </a:stretch>
+          </a:blipFill>
+        </p:spPr>
+      </p:sp>
+      <p:sp>
+        <p:nvSpPr>
+          <p:cNvPr name="Freeform 3" id="3"/>
+          <p:cNvSpPr/>
+          <p:nvPr/>
+        </p:nvSpPr>
+        <p:spPr>
+          <a:xfrm flipH="false" flipV="false" rot="0">
+            <a:off x="-2843309" y="1268486"/>
+            <a:ext cx="6873872" cy="162473"/>
+          </a:xfrm>
+          <a:custGeom>
+            <a:avLst/>
+            <a:gdLst/>
+            <a:ahLst/>
+            <a:cxnLst/>
+            <a:rect r="r" b="b" t="t" l="l"/>
+            <a:pathLst>
+              <a:path h="162473" w="6873872">
+                <a:moveTo>
+                  <a:pt x="0" y="0"/>
+                </a:moveTo>
+                <a:lnTo>
+                  <a:pt x="6873873" y="0"/>
+                </a:lnTo>
+                <a:lnTo>
+                  <a:pt x="6873873" y="162473"/>
+                </a:lnTo>
+                <a:lnTo>
+                  <a:pt x="0" y="162473"/>
+                </a:lnTo>
+                <a:lnTo>
+                  <a:pt x="0" y="0"/>
+                </a:lnTo>
+                <a:close/>
+              </a:path>
+            </a:pathLst>
+          </a:custGeom>
+          <a:blipFill>
+            <a:blip r:embed="rId4">
+              <a:extLst>
+                <a:ext uri="{96DAC541-7B7A-43D3-8B79-37D633B846F1}">
+                  <asvg:svgBlip xmlns:asvg="http://schemas.microsoft.com/office/drawing/2016/SVG/main" r:embed="rId5"/>
+                </a:ext>
+              </a:extLst>
+            </a:blip>
+            <a:stretch>
+              <a:fillRect l="0" t="0" r="0" b="0"/>
+            </a:stretch>
+          </a:blipFill>
+        </p:spPr>
+      </p:sp>
+      <p:sp>
+        <p:nvSpPr>
+          <p:cNvPr name="Freeform 4" id="4"/>
+          <p:cNvSpPr/>
+          <p:nvPr/>
+        </p:nvSpPr>
+        <p:spPr>
+          <a:xfrm flipH="false" flipV="false" rot="0">
+            <a:off x="1059746" y="760598"/>
+            <a:ext cx="300896" cy="300896"/>
+          </a:xfrm>
+          <a:custGeom>
+            <a:avLst/>
+            <a:gdLst/>
+            <a:ahLst/>
+            <a:cxnLst/>
+            <a:rect r="r" b="b" t="t" l="l"/>
+            <a:pathLst>
+              <a:path h="300896" w="300896">
+                <a:moveTo>
+                  <a:pt x="0" y="0"/>
+                </a:moveTo>
+                <a:lnTo>
+                  <a:pt x="300896" y="0"/>
+                </a:lnTo>
+                <a:lnTo>
+                  <a:pt x="300896" y="300895"/>
+                </a:lnTo>
+                <a:lnTo>
+                  <a:pt x="0" y="300895"/>
+                </a:lnTo>
+                <a:lnTo>
+                  <a:pt x="0" y="0"/>
+                </a:lnTo>
+                <a:close/>
+              </a:path>
+            </a:pathLst>
+          </a:custGeom>
+          <a:blipFill>
+            <a:blip r:embed="rId6">
+              <a:extLst>
+                <a:ext uri="{96DAC541-7B7A-43D3-8B79-37D633B846F1}">
+                  <asvg:svgBlip xmlns:asvg="http://schemas.microsoft.com/office/drawing/2016/SVG/main" r:embed="rId7"/>
+                </a:ext>
+              </a:extLst>
+            </a:blip>
+            <a:stretch>
+              <a:fillRect l="0" t="0" r="0" b="0"/>
+            </a:stretch>
+          </a:blipFill>
+        </p:spPr>
+      </p:sp>
+      <p:sp>
+        <p:nvSpPr>
+          <p:cNvPr name="Freeform 5" id="5"/>
+          <p:cNvSpPr/>
+          <p:nvPr/>
+        </p:nvSpPr>
+        <p:spPr>
+          <a:xfrm flipH="false" flipV="false" rot="0">
+            <a:off x="2701383" y="2412077"/>
+            <a:ext cx="13883161" cy="7536988"/>
+          </a:xfrm>
+          <a:custGeom>
+            <a:avLst/>
+            <a:gdLst/>
+            <a:ahLst/>
+            <a:cxnLst/>
+            <a:rect r="r" b="b" t="t" l="l"/>
+            <a:pathLst>
+              <a:path h="7536988" w="13883161">
+                <a:moveTo>
+                  <a:pt x="0" y="0"/>
+                </a:moveTo>
+                <a:lnTo>
+                  <a:pt x="13883161" y="0"/>
+                </a:lnTo>
+                <a:lnTo>
+                  <a:pt x="13883161" y="7536988"/>
+                </a:lnTo>
+                <a:lnTo>
+                  <a:pt x="0" y="7536988"/>
+                </a:lnTo>
+                <a:lnTo>
+                  <a:pt x="0" y="0"/>
+                </a:lnTo>
+                <a:close/>
+              </a:path>
+            </a:pathLst>
+          </a:custGeom>
+          <a:blipFill>
+            <a:blip r:embed="rId8"/>
+            <a:stretch>
+              <a:fillRect l="0" t="0" r="0" b="0"/>
+            </a:stretch>
+          </a:blipFill>
+        </p:spPr>
+      </p:sp>
+      <p:sp>
+        <p:nvSpPr>
+          <p:cNvPr name="TextBox 6" id="6"/>
+          <p:cNvSpPr txBox="true"/>
+          <p:nvPr/>
+        </p:nvSpPr>
+        <p:spPr>
+          <a:xfrm rot="0">
+            <a:off x="4283973" y="144492"/>
+            <a:ext cx="10281557" cy="2267585"/>
+          </a:xfrm>
+          <a:prstGeom prst="rect">
+            <a:avLst/>
+          </a:prstGeom>
+        </p:spPr>
+        <p:txBody>
+          <a:bodyPr anchor="t" rtlCol="false" tIns="0" lIns="0" bIns="0" rIns="0">
+            <a:spAutoFit/>
+          </a:bodyPr>
+          <a:lstStyle/>
+          <a:p>
+            <a:pPr>
+              <a:lnSpc>
+                <a:spcPts val="8469"/>
+              </a:lnSpc>
+            </a:pPr>
+            <a:r>
+              <a:rPr lang="en-US" sz="6999">
+                <a:solidFill>
+                  <a:srgbClr val="FFFFFF"/>
+                </a:solidFill>
+                <a:latin typeface="Kollektif Bold"/>
+              </a:rPr>
+              <a:t>Paso 7, subir los cambios a la nube</a:t>
+            </a:r>
+          </a:p>
+        </p:txBody>
+      </p:sp>
+    </p:spTree>
+  </p:cSld>
+  <p:clrMapOvr>
+    <a:masterClrMapping/>
+  </p:clrMapOvr>
+</p:sld>
+</file>
+
+<file path=ppt/slides/slide15.xml><?xml version="1.0" encoding="utf-8"?>
+<p:sld xmlns:p="http://schemas.openxmlformats.org/presentationml/2006/main" xmlns:a="http://schemas.openxmlformats.org/drawingml/2006/main" xmlns:r="http://schemas.openxmlformats.org/officeDocument/2006/relationships">
+  <p:cSld>
+    <p:bg>
+      <p:bgPr>
+        <a:solidFill>
+          <a:srgbClr val="1E1E1E"/>
+        </a:solidFill>
+      </p:bgPr>
+    </p:bg>
+    <p:spTree>
+      <p:nvGrpSpPr>
+        <p:cNvPr id="1" name=""/>
+        <p:cNvGrpSpPr/>
+        <p:nvPr/>
+      </p:nvGrpSpPr>
+      <p:grpSpPr>
+        <a:xfrm>
+          <a:off x="0" y="0"/>
+          <a:ext cx="0" cy="0"/>
+          <a:chOff x="0" y="0"/>
+          <a:chExt cx="0" cy="0"/>
+        </a:xfrm>
+      </p:grpSpPr>
+      <p:sp>
+        <p:nvSpPr>
+          <p:cNvPr name="Freeform 2" id="2"/>
+          <p:cNvSpPr/>
+          <p:nvPr/>
+        </p:nvSpPr>
+        <p:spPr>
+          <a:xfrm flipH="false" flipV="false" rot="0">
+            <a:off x="11525733" y="2269552"/>
+            <a:ext cx="6561545" cy="6336834"/>
+          </a:xfrm>
+          <a:custGeom>
+            <a:avLst/>
+            <a:gdLst/>
+            <a:ahLst/>
+            <a:cxnLst/>
+            <a:rect r="r" b="b" t="t" l="l"/>
+            <a:pathLst>
+              <a:path h="6336834" w="6561545">
+                <a:moveTo>
+                  <a:pt x="0" y="0"/>
+                </a:moveTo>
+                <a:lnTo>
+                  <a:pt x="6561545" y="0"/>
+                </a:lnTo>
+                <a:lnTo>
+                  <a:pt x="6561545" y="6336835"/>
+                </a:lnTo>
+                <a:lnTo>
+                  <a:pt x="0" y="6336835"/>
+                </a:lnTo>
+                <a:lnTo>
+                  <a:pt x="0" y="0"/>
+                </a:lnTo>
+                <a:close/>
+              </a:path>
+            </a:pathLst>
+          </a:custGeom>
+          <a:blipFill>
+            <a:blip r:embed="rId2"/>
+            <a:stretch>
+              <a:fillRect l="0" t="0" r="0" b="0"/>
+            </a:stretch>
+          </a:blipFill>
+        </p:spPr>
+      </p:sp>
+      <p:sp>
+        <p:nvSpPr>
+          <p:cNvPr name="Freeform 3" id="3"/>
+          <p:cNvSpPr/>
+          <p:nvPr/>
+        </p:nvSpPr>
+        <p:spPr>
+          <a:xfrm flipH="false" flipV="false" rot="9039506">
+            <a:off x="9649125" y="-5347756"/>
+            <a:ext cx="12342620" cy="10695511"/>
+          </a:xfrm>
+          <a:custGeom>
+            <a:avLst/>
+            <a:gdLst/>
+            <a:ahLst/>
+            <a:cxnLst/>
+            <a:rect r="r" b="b" t="t" l="l"/>
+            <a:pathLst>
+              <a:path h="10695511" w="12342620">
+                <a:moveTo>
+                  <a:pt x="0" y="0"/>
+                </a:moveTo>
+                <a:lnTo>
+                  <a:pt x="12342620" y="0"/>
+                </a:lnTo>
+                <a:lnTo>
+                  <a:pt x="12342620" y="10695512"/>
+                </a:lnTo>
+                <a:lnTo>
+                  <a:pt x="0" y="10695512"/>
+                </a:lnTo>
+                <a:lnTo>
+                  <a:pt x="0" y="0"/>
+                </a:lnTo>
+                <a:close/>
+              </a:path>
+            </a:pathLst>
+          </a:custGeom>
+          <a:blipFill>
+            <a:blip r:embed="rId3">
+              <a:extLst>
+                <a:ext uri="{96DAC541-7B7A-43D3-8B79-37D633B846F1}">
+                  <asvg:svgBlip xmlns:asvg="http://schemas.microsoft.com/office/drawing/2016/SVG/main" r:embed="rId4"/>
+                </a:ext>
+              </a:extLst>
+            </a:blip>
+            <a:stretch>
+              <a:fillRect l="0" t="0" r="0" b="0"/>
+            </a:stretch>
+          </a:blipFill>
+        </p:spPr>
+      </p:sp>
+      <p:sp>
+        <p:nvSpPr>
+          <p:cNvPr name="TextBox 4" id="4"/>
+          <p:cNvSpPr txBox="true"/>
+          <p:nvPr/>
+        </p:nvSpPr>
+        <p:spPr>
+          <a:xfrm rot="0">
+            <a:off x="0" y="3587115"/>
+            <a:ext cx="11566308" cy="2931795"/>
+          </a:xfrm>
+          <a:prstGeom prst="rect">
+            <a:avLst/>
+          </a:prstGeom>
+        </p:spPr>
+        <p:txBody>
+          <a:bodyPr anchor="t" rtlCol="false" tIns="0" lIns="0" bIns="0" rIns="0">
+            <a:spAutoFit/>
+          </a:bodyPr>
+          <a:lstStyle/>
+          <a:p>
+            <a:pPr algn="ctr">
+              <a:lnSpc>
+                <a:spcPts val="10890"/>
+              </a:lnSpc>
+              <a:spcBef>
+                <a:spcPct val="0"/>
+              </a:spcBef>
+            </a:pPr>
+            <a:r>
+              <a:rPr lang="en-US" sz="9000">
+                <a:solidFill>
+                  <a:srgbClr val="FFFFFF"/>
+                </a:solidFill>
+                <a:latin typeface="Kollektif Bold"/>
+              </a:rPr>
+              <a:t>Cómo compartir un repositorio   </a:t>
+            </a:r>
+          </a:p>
+        </p:txBody>
+      </p:sp>
+    </p:spTree>
+  </p:cSld>
+  <p:clrMapOvr>
+    <a:masterClrMapping/>
+  </p:clrMapOvr>
+</p:sld>
+</file>
+
+<file path=ppt/slides/slide16.xml><?xml version="1.0" encoding="utf-8"?>
+<p:sld xmlns:p="http://schemas.openxmlformats.org/presentationml/2006/main" xmlns:a="http://schemas.openxmlformats.org/drawingml/2006/main" xmlns:r="http://schemas.openxmlformats.org/officeDocument/2006/relationships">
+  <p:cSld>
+    <p:bg>
+      <p:bgPr>
+        <a:solidFill>
+          <a:srgbClr val="1E1E1E"/>
+        </a:solidFill>
+      </p:bgPr>
+    </p:bg>
+    <p:spTree>
+      <p:nvGrpSpPr>
+        <p:cNvPr id="1" name=""/>
+        <p:cNvGrpSpPr/>
+        <p:nvPr/>
+      </p:nvGrpSpPr>
+      <p:grpSpPr>
+        <a:xfrm>
+          <a:off x="0" y="0"/>
+          <a:ext cx="0" cy="0"/>
+          <a:chOff x="0" y="0"/>
+          <a:chExt cx="0" cy="0"/>
+        </a:xfrm>
+      </p:grpSpPr>
+      <p:grpSp>
+        <p:nvGrpSpPr>
+          <p:cNvPr name="Group 2" id="2"/>
+          <p:cNvGrpSpPr/>
+          <p:nvPr/>
+        </p:nvGrpSpPr>
+        <p:grpSpPr>
+          <a:xfrm rot="0">
+            <a:off x="9878153" y="1338825"/>
+            <a:ext cx="8015663" cy="7892194"/>
+            <a:chOff x="0" y="0"/>
+            <a:chExt cx="1991190" cy="1960519"/>
+          </a:xfrm>
+        </p:grpSpPr>
+        <p:sp>
+          <p:nvSpPr>
+            <p:cNvPr name="Freeform 3" id="3"/>
+            <p:cNvSpPr/>
+            <p:nvPr/>
+          </p:nvSpPr>
+          <p:spPr>
+            <a:xfrm flipH="false" flipV="false" rot="0">
+              <a:off x="0" y="0"/>
+              <a:ext cx="1991190" cy="1960519"/>
+            </a:xfrm>
+            <a:custGeom>
+              <a:avLst/>
+              <a:gdLst/>
+              <a:ahLst/>
+              <a:cxnLst/>
+              <a:rect r="r" b="b" t="t" l="l"/>
+              <a:pathLst>
+                <a:path h="1960519" w="1991190">
+                  <a:moveTo>
+                    <a:pt x="0" y="0"/>
+                  </a:moveTo>
+                  <a:lnTo>
+                    <a:pt x="1991190" y="0"/>
+                  </a:lnTo>
+                  <a:lnTo>
+                    <a:pt x="1991190" y="1960519"/>
+                  </a:lnTo>
+                  <a:lnTo>
+                    <a:pt x="0" y="1960519"/>
+                  </a:lnTo>
+                  <a:close/>
+                </a:path>
+              </a:pathLst>
+            </a:custGeom>
+            <a:solidFill>
+              <a:srgbClr val="EFEEE9"/>
+            </a:solidFill>
+          </p:spPr>
+        </p:sp>
+        <p:sp>
+          <p:nvSpPr>
+            <p:cNvPr name="TextBox 4" id="4"/>
+            <p:cNvSpPr txBox="true"/>
+            <p:nvPr/>
+          </p:nvSpPr>
+          <p:spPr>
+            <a:xfrm>
+              <a:off x="0" y="19050"/>
+              <a:ext cx="1991190" cy="1941469"/>
+            </a:xfrm>
+            <a:prstGeom prst="rect">
+              <a:avLst/>
+            </a:prstGeom>
+          </p:spPr>
+          <p:txBody>
+            <a:bodyPr anchor="ctr" rtlCol="false" tIns="50800" lIns="50800" bIns="50800" rIns="50800"/>
+            <a:lstStyle/>
+            <a:p>
+              <a:pPr algn="ctr">
+                <a:lnSpc>
+                  <a:spcPts val="1869"/>
+                </a:lnSpc>
+              </a:pPr>
+            </a:p>
+          </p:txBody>
+        </p:sp>
+      </p:grpSp>
+      <p:sp>
+        <p:nvSpPr>
+          <p:cNvPr name="Freeform 5" id="5"/>
+          <p:cNvSpPr/>
+          <p:nvPr/>
+        </p:nvSpPr>
+        <p:spPr>
+          <a:xfrm flipH="false" flipV="false" rot="0">
+            <a:off x="17192315" y="612415"/>
+            <a:ext cx="559181" cy="296366"/>
+          </a:xfrm>
+          <a:custGeom>
+            <a:avLst/>
+            <a:gdLst/>
+            <a:ahLst/>
+            <a:cxnLst/>
+            <a:rect r="r" b="b" t="t" l="l"/>
+            <a:pathLst>
+              <a:path h="296366" w="559181">
+                <a:moveTo>
+                  <a:pt x="0" y="0"/>
+                </a:moveTo>
+                <a:lnTo>
+                  <a:pt x="559182" y="0"/>
+                </a:lnTo>
+                <a:lnTo>
+                  <a:pt x="559182" y="296366"/>
+                </a:lnTo>
+                <a:lnTo>
+                  <a:pt x="0" y="296366"/>
+                </a:lnTo>
+                <a:lnTo>
+                  <a:pt x="0" y="0"/>
+                </a:lnTo>
+                <a:close/>
+              </a:path>
+            </a:pathLst>
+          </a:custGeom>
+          <a:blipFill>
+            <a:blip r:embed="rId2">
+              <a:extLst>
+                <a:ext uri="{96DAC541-7B7A-43D3-8B79-37D633B846F1}">
+                  <asvg:svgBlip xmlns:asvg="http://schemas.microsoft.com/office/drawing/2016/SVG/main" r:embed="rId3"/>
+                </a:ext>
+              </a:extLst>
+            </a:blip>
+            <a:stretch>
+              <a:fillRect l="0" t="0" r="0" b="0"/>
+            </a:stretch>
+          </a:blipFill>
+        </p:spPr>
+      </p:sp>
+      <p:sp>
+        <p:nvSpPr>
+          <p:cNvPr name="Freeform 6" id="6"/>
+          <p:cNvSpPr/>
+          <p:nvPr/>
+        </p:nvSpPr>
+        <p:spPr>
+          <a:xfrm flipH="false" flipV="false" rot="0">
+            <a:off x="10483735" y="2832412"/>
+            <a:ext cx="1017523" cy="1017523"/>
+          </a:xfrm>
+          <a:custGeom>
+            <a:avLst/>
+            <a:gdLst/>
+            <a:ahLst/>
+            <a:cxnLst/>
+            <a:rect r="r" b="b" t="t" l="l"/>
+            <a:pathLst>
+              <a:path h="1017523" w="1017523">
+                <a:moveTo>
+                  <a:pt x="0" y="0"/>
+                </a:moveTo>
+                <a:lnTo>
+                  <a:pt x="1017523" y="0"/>
+                </a:lnTo>
+                <a:lnTo>
+                  <a:pt x="1017523" y="1017523"/>
+                </a:lnTo>
+                <a:lnTo>
+                  <a:pt x="0" y="1017523"/>
+                </a:lnTo>
+                <a:lnTo>
+                  <a:pt x="0" y="0"/>
+                </a:lnTo>
+                <a:close/>
+              </a:path>
+            </a:pathLst>
+          </a:custGeom>
+          <a:blipFill>
+            <a:blip r:embed="rId4">
+              <a:extLst>
+                <a:ext uri="{96DAC541-7B7A-43D3-8B79-37D633B846F1}">
+                  <asvg:svgBlip xmlns:asvg="http://schemas.microsoft.com/office/drawing/2016/SVG/main" r:embed="rId5"/>
+                </a:ext>
+              </a:extLst>
+            </a:blip>
+            <a:stretch>
+              <a:fillRect l="0" t="0" r="0" b="0"/>
+            </a:stretch>
+          </a:blipFill>
+        </p:spPr>
+      </p:sp>
+      <p:sp>
+        <p:nvSpPr>
+          <p:cNvPr name="Freeform 7" id="7"/>
+          <p:cNvSpPr/>
+          <p:nvPr/>
+        </p:nvSpPr>
+        <p:spPr>
+          <a:xfrm flipH="false" flipV="false" rot="0">
+            <a:off x="10499384" y="5679410"/>
+            <a:ext cx="1017523" cy="1017523"/>
+          </a:xfrm>
+          <a:custGeom>
+            <a:avLst/>
+            <a:gdLst/>
+            <a:ahLst/>
+            <a:cxnLst/>
+            <a:rect r="r" b="b" t="t" l="l"/>
+            <a:pathLst>
+              <a:path h="1017523" w="1017523">
+                <a:moveTo>
+                  <a:pt x="0" y="0"/>
+                </a:moveTo>
+                <a:lnTo>
+                  <a:pt x="1017523" y="0"/>
+                </a:lnTo>
+                <a:lnTo>
+                  <a:pt x="1017523" y="1017523"/>
+                </a:lnTo>
+                <a:lnTo>
+                  <a:pt x="0" y="1017523"/>
+                </a:lnTo>
+                <a:lnTo>
+                  <a:pt x="0" y="0"/>
+                </a:lnTo>
+                <a:close/>
+              </a:path>
+            </a:pathLst>
+          </a:custGeom>
+          <a:blipFill>
+            <a:blip r:embed="rId4">
+              <a:extLst>
+                <a:ext uri="{96DAC541-7B7A-43D3-8B79-37D633B846F1}">
+                  <asvg:svgBlip xmlns:asvg="http://schemas.microsoft.com/office/drawing/2016/SVG/main" r:embed="rId5"/>
+                </a:ext>
+              </a:extLst>
+            </a:blip>
+            <a:stretch>
+              <a:fillRect l="0" t="0" r="0" b="0"/>
+            </a:stretch>
+          </a:blipFill>
+        </p:spPr>
+      </p:sp>
+      <p:sp>
+        <p:nvSpPr>
+          <p:cNvPr name="Freeform 8" id="8"/>
+          <p:cNvSpPr/>
+          <p:nvPr/>
+        </p:nvSpPr>
+        <p:spPr>
+          <a:xfrm flipH="false" flipV="false" rot="0">
+            <a:off x="158202" y="2343547"/>
+            <a:ext cx="9515280" cy="6571704"/>
+          </a:xfrm>
+          <a:custGeom>
+            <a:avLst/>
+            <a:gdLst/>
+            <a:ahLst/>
+            <a:cxnLst/>
+            <a:rect r="r" b="b" t="t" l="l"/>
+            <a:pathLst>
+              <a:path h="6571704" w="9515280">
+                <a:moveTo>
+                  <a:pt x="0" y="0"/>
+                </a:moveTo>
+                <a:lnTo>
+                  <a:pt x="9515280" y="0"/>
+                </a:lnTo>
+                <a:lnTo>
+                  <a:pt x="9515280" y="6571704"/>
+                </a:lnTo>
+                <a:lnTo>
+                  <a:pt x="0" y="6571704"/>
+                </a:lnTo>
+                <a:lnTo>
+                  <a:pt x="0" y="0"/>
+                </a:lnTo>
+                <a:close/>
+              </a:path>
+            </a:pathLst>
+          </a:custGeom>
+          <a:blipFill>
+            <a:blip r:embed="rId6"/>
+            <a:stretch>
+              <a:fillRect l="0" t="0" r="0" b="0"/>
+            </a:stretch>
+          </a:blipFill>
+        </p:spPr>
+      </p:sp>
+      <p:sp>
+        <p:nvSpPr>
+          <p:cNvPr name="TextBox 9" id="9"/>
+          <p:cNvSpPr txBox="true"/>
+          <p:nvPr/>
+        </p:nvSpPr>
+        <p:spPr>
+          <a:xfrm rot="0">
+            <a:off x="1028700" y="885825"/>
+            <a:ext cx="7856167" cy="1200785"/>
+          </a:xfrm>
+          <a:prstGeom prst="rect">
+            <a:avLst/>
+          </a:prstGeom>
+        </p:spPr>
+        <p:txBody>
+          <a:bodyPr anchor="t" rtlCol="false" tIns="0" lIns="0" bIns="0" rIns="0">
+            <a:spAutoFit/>
+          </a:bodyPr>
+          <a:lstStyle/>
+          <a:p>
+            <a:pPr>
+              <a:lnSpc>
+                <a:spcPts val="8469"/>
+              </a:lnSpc>
+            </a:pPr>
+            <a:r>
+              <a:rPr lang="en-US" sz="6999">
+                <a:solidFill>
+                  <a:srgbClr val="FFFFFF"/>
+                </a:solidFill>
+                <a:latin typeface="Kollektif Bold"/>
+              </a:rPr>
+              <a:t>Paso 1</a:t>
+            </a:r>
+          </a:p>
+        </p:txBody>
+      </p:sp>
+      <p:sp>
+        <p:nvSpPr>
+          <p:cNvPr name="TextBox 10" id="10"/>
+          <p:cNvSpPr txBox="true"/>
+          <p:nvPr/>
+        </p:nvSpPr>
+        <p:spPr>
+          <a:xfrm rot="0">
+            <a:off x="11717629" y="2746687"/>
+            <a:ext cx="5909368" cy="1545068"/>
+          </a:xfrm>
+          <a:prstGeom prst="rect">
+            <a:avLst/>
+          </a:prstGeom>
+        </p:spPr>
+        <p:txBody>
+          <a:bodyPr anchor="t" rtlCol="false" tIns="0" lIns="0" bIns="0" rIns="0">
+            <a:spAutoFit/>
+          </a:bodyPr>
+          <a:lstStyle/>
+          <a:p>
+            <a:pPr>
+              <a:lnSpc>
+                <a:spcPts val="4139"/>
+              </a:lnSpc>
+            </a:pPr>
+            <a:r>
+              <a:rPr lang="en-US" sz="2687" spc="59">
+                <a:solidFill>
+                  <a:srgbClr val="1E1E1E"/>
+                </a:solidFill>
+                <a:latin typeface="Now Bold"/>
+              </a:rPr>
+              <a:t>INGRESA  A </a:t>
+            </a:r>
+            <a:r>
+              <a:rPr lang="en-US" sz="2687" spc="59" u="sng">
+                <a:solidFill>
+                  <a:srgbClr val="1E1E1E"/>
+                </a:solidFill>
+                <a:latin typeface="Now Bold"/>
+                <a:hlinkClick r:id="rId7" tooltip="https://github.com/"/>
+              </a:rPr>
+              <a:t>GitHub</a:t>
+            </a:r>
+            <a:r>
+              <a:rPr lang="en-US" sz="2687" spc="59">
+                <a:solidFill>
+                  <a:srgbClr val="1E1E1E"/>
+                </a:solidFill>
+                <a:latin typeface="Now Bold"/>
+              </a:rPr>
+              <a:t> con tu usuario</a:t>
+            </a:r>
+          </a:p>
+          <a:p>
+            <a:pPr>
+              <a:lnSpc>
+                <a:spcPts val="4139"/>
+              </a:lnSpc>
+            </a:pPr>
+          </a:p>
+        </p:txBody>
+      </p:sp>
+      <p:sp>
+        <p:nvSpPr>
+          <p:cNvPr name="TextBox 11" id="11"/>
+          <p:cNvSpPr txBox="true"/>
+          <p:nvPr/>
+        </p:nvSpPr>
+        <p:spPr>
+          <a:xfrm rot="0">
+            <a:off x="10515033" y="3086470"/>
+            <a:ext cx="1001874" cy="461781"/>
+          </a:xfrm>
+          <a:prstGeom prst="rect">
+            <a:avLst/>
+          </a:prstGeom>
+        </p:spPr>
+        <p:txBody>
+          <a:bodyPr anchor="t" rtlCol="false" tIns="0" lIns="0" bIns="0" rIns="0">
+            <a:spAutoFit/>
+          </a:bodyPr>
+          <a:lstStyle/>
+          <a:p>
+            <a:pPr algn="ctr">
+              <a:lnSpc>
+                <a:spcPts val="3890"/>
+              </a:lnSpc>
+              <a:spcBef>
+                <a:spcPct val="0"/>
+              </a:spcBef>
+            </a:pPr>
+            <a:r>
+              <a:rPr lang="en-US" sz="2778" spc="408">
+                <a:solidFill>
+                  <a:srgbClr val="000000"/>
+                </a:solidFill>
+                <a:latin typeface="Now Bold"/>
+              </a:rPr>
+              <a:t>01</a:t>
+            </a:r>
+          </a:p>
+        </p:txBody>
+      </p:sp>
+      <p:sp>
+        <p:nvSpPr>
+          <p:cNvPr name="TextBox 12" id="12"/>
+          <p:cNvSpPr txBox="true"/>
+          <p:nvPr/>
+        </p:nvSpPr>
+        <p:spPr>
+          <a:xfrm rot="0">
+            <a:off x="11842129" y="5349590"/>
+            <a:ext cx="5909368" cy="1581913"/>
+          </a:xfrm>
+          <a:prstGeom prst="rect">
+            <a:avLst/>
+          </a:prstGeom>
+        </p:spPr>
+        <p:txBody>
+          <a:bodyPr anchor="t" rtlCol="false" tIns="0" lIns="0" bIns="0" rIns="0">
+            <a:spAutoFit/>
+          </a:bodyPr>
+          <a:lstStyle/>
+          <a:p>
+            <a:pPr>
+              <a:lnSpc>
+                <a:spcPts val="4245"/>
+              </a:lnSpc>
+            </a:pPr>
+            <a:r>
+              <a:rPr lang="en-US" sz="2756" spc="60">
+                <a:solidFill>
+                  <a:srgbClr val="1E1E1E"/>
+                </a:solidFill>
+                <a:latin typeface="Now Bold"/>
+              </a:rPr>
+              <a:t>HACER CLIC SOBRE EL REPOSITORIO QUE SE DESEA COMPARTIR </a:t>
+            </a:r>
+          </a:p>
+        </p:txBody>
+      </p:sp>
+      <p:sp>
+        <p:nvSpPr>
+          <p:cNvPr name="TextBox 13" id="13"/>
+          <p:cNvSpPr txBox="true"/>
+          <p:nvPr/>
+        </p:nvSpPr>
+        <p:spPr>
+          <a:xfrm rot="0">
+            <a:off x="10499384" y="5933468"/>
+            <a:ext cx="1001874" cy="461781"/>
+          </a:xfrm>
+          <a:prstGeom prst="rect">
+            <a:avLst/>
+          </a:prstGeom>
+        </p:spPr>
+        <p:txBody>
+          <a:bodyPr anchor="t" rtlCol="false" tIns="0" lIns="0" bIns="0" rIns="0">
+            <a:spAutoFit/>
+          </a:bodyPr>
+          <a:lstStyle/>
+          <a:p>
+            <a:pPr algn="ctr">
+              <a:lnSpc>
+                <a:spcPts val="3890"/>
+              </a:lnSpc>
+              <a:spcBef>
+                <a:spcPct val="0"/>
+              </a:spcBef>
+            </a:pPr>
+            <a:r>
+              <a:rPr lang="en-US" sz="2778" spc="408">
+                <a:solidFill>
+                  <a:srgbClr val="000000"/>
+                </a:solidFill>
+                <a:latin typeface="Now Bold"/>
+              </a:rPr>
+              <a:t>02</a:t>
+            </a:r>
+          </a:p>
+        </p:txBody>
+      </p:sp>
+    </p:spTree>
+  </p:cSld>
+  <p:clrMapOvr>
+    <a:masterClrMapping/>
+  </p:clrMapOvr>
+</p:sld>
+</file>
+
+<file path=ppt/slides/slide17.xml><?xml version="1.0" encoding="utf-8"?>
+<p:sld xmlns:p="http://schemas.openxmlformats.org/presentationml/2006/main" xmlns:a="http://schemas.openxmlformats.org/drawingml/2006/main" xmlns:r="http://schemas.openxmlformats.org/officeDocument/2006/relationships">
+  <p:cSld>
+    <p:bg>
+      <p:bgPr>
+        <a:solidFill>
+          <a:srgbClr val="1E1E1E"/>
+        </a:solidFill>
+      </p:bgPr>
+    </p:bg>
+    <p:spTree>
+      <p:nvGrpSpPr>
+        <p:cNvPr id="1" name=""/>
+        <p:cNvGrpSpPr/>
+        <p:nvPr/>
+      </p:nvGrpSpPr>
+      <p:grpSpPr>
+        <a:xfrm>
+          <a:off x="0" y="0"/>
+          <a:ext cx="0" cy="0"/>
+          <a:chOff x="0" y="0"/>
+          <a:chExt cx="0" cy="0"/>
+        </a:xfrm>
+      </p:grpSpPr>
+      <p:grpSp>
+        <p:nvGrpSpPr>
+          <p:cNvPr name="Group 2" id="2"/>
+          <p:cNvGrpSpPr/>
+          <p:nvPr/>
+        </p:nvGrpSpPr>
+        <p:grpSpPr>
+          <a:xfrm rot="0">
+            <a:off x="10191198" y="1821635"/>
+            <a:ext cx="7560299" cy="7443845"/>
+            <a:chOff x="0" y="0"/>
+            <a:chExt cx="1991190" cy="1960519"/>
+          </a:xfrm>
+        </p:grpSpPr>
+        <p:sp>
+          <p:nvSpPr>
+            <p:cNvPr name="Freeform 3" id="3"/>
+            <p:cNvSpPr/>
+            <p:nvPr/>
+          </p:nvSpPr>
+          <p:spPr>
+            <a:xfrm flipH="false" flipV="false" rot="0">
+              <a:off x="0" y="0"/>
+              <a:ext cx="1991190" cy="1960519"/>
+            </a:xfrm>
+            <a:custGeom>
+              <a:avLst/>
+              <a:gdLst/>
+              <a:ahLst/>
+              <a:cxnLst/>
+              <a:rect r="r" b="b" t="t" l="l"/>
+              <a:pathLst>
+                <a:path h="1960519" w="1991190">
+                  <a:moveTo>
+                    <a:pt x="0" y="0"/>
+                  </a:moveTo>
+                  <a:lnTo>
+                    <a:pt x="1991190" y="0"/>
+                  </a:lnTo>
+                  <a:lnTo>
+                    <a:pt x="1991190" y="1960519"/>
+                  </a:lnTo>
+                  <a:lnTo>
+                    <a:pt x="0" y="1960519"/>
+                  </a:lnTo>
+                  <a:close/>
+                </a:path>
+              </a:pathLst>
+            </a:custGeom>
+            <a:solidFill>
+              <a:srgbClr val="EFEEE9"/>
+            </a:solidFill>
+          </p:spPr>
+        </p:sp>
+        <p:sp>
+          <p:nvSpPr>
+            <p:cNvPr name="TextBox 4" id="4"/>
+            <p:cNvSpPr txBox="true"/>
+            <p:nvPr/>
+          </p:nvSpPr>
+          <p:spPr>
+            <a:xfrm>
+              <a:off x="0" y="19050"/>
+              <a:ext cx="1991190" cy="1941469"/>
+            </a:xfrm>
+            <a:prstGeom prst="rect">
+              <a:avLst/>
+            </a:prstGeom>
+          </p:spPr>
+          <p:txBody>
+            <a:bodyPr anchor="ctr" rtlCol="false" tIns="50800" lIns="50800" bIns="50800" rIns="50800"/>
+            <a:lstStyle/>
+            <a:p>
+              <a:pPr algn="ctr">
+                <a:lnSpc>
+                  <a:spcPts val="1869"/>
+                </a:lnSpc>
+              </a:pPr>
+            </a:p>
+          </p:txBody>
+        </p:sp>
+      </p:grpSp>
+      <p:sp>
+        <p:nvSpPr>
+          <p:cNvPr name="Freeform 5" id="5"/>
+          <p:cNvSpPr/>
+          <p:nvPr/>
+        </p:nvSpPr>
+        <p:spPr>
+          <a:xfrm flipH="false" flipV="false" rot="0">
+            <a:off x="17192315" y="612415"/>
+            <a:ext cx="559181" cy="296366"/>
+          </a:xfrm>
+          <a:custGeom>
+            <a:avLst/>
+            <a:gdLst/>
+            <a:ahLst/>
+            <a:cxnLst/>
+            <a:rect r="r" b="b" t="t" l="l"/>
+            <a:pathLst>
+              <a:path h="296366" w="559181">
+                <a:moveTo>
+                  <a:pt x="0" y="0"/>
+                </a:moveTo>
+                <a:lnTo>
+                  <a:pt x="559182" y="0"/>
+                </a:lnTo>
+                <a:lnTo>
+                  <a:pt x="559182" y="296366"/>
+                </a:lnTo>
+                <a:lnTo>
+                  <a:pt x="0" y="296366"/>
+                </a:lnTo>
+                <a:lnTo>
+                  <a:pt x="0" y="0"/>
+                </a:lnTo>
+                <a:close/>
+              </a:path>
+            </a:pathLst>
+          </a:custGeom>
+          <a:blipFill>
+            <a:blip r:embed="rId2">
+              <a:extLst>
+                <a:ext uri="{96DAC541-7B7A-43D3-8B79-37D633B846F1}">
+                  <asvg:svgBlip xmlns:asvg="http://schemas.microsoft.com/office/drawing/2016/SVG/main" r:embed="rId3"/>
+                </a:ext>
+              </a:extLst>
+            </a:blip>
+            <a:stretch>
+              <a:fillRect l="0" t="0" r="0" b="0"/>
+            </a:stretch>
+          </a:blipFill>
+        </p:spPr>
+      </p:sp>
+      <p:sp>
+        <p:nvSpPr>
+          <p:cNvPr name="Freeform 6" id="6"/>
+          <p:cNvSpPr/>
+          <p:nvPr/>
+        </p:nvSpPr>
+        <p:spPr>
+          <a:xfrm flipH="false" flipV="false" rot="0">
+            <a:off x="10598763" y="2470964"/>
+            <a:ext cx="959718" cy="959718"/>
+          </a:xfrm>
+          <a:custGeom>
+            <a:avLst/>
+            <a:gdLst/>
+            <a:ahLst/>
+            <a:cxnLst/>
+            <a:rect r="r" b="b" t="t" l="l"/>
+            <a:pathLst>
+              <a:path h="959718" w="959718">
+                <a:moveTo>
+                  <a:pt x="0" y="0"/>
+                </a:moveTo>
+                <a:lnTo>
+                  <a:pt x="959718" y="0"/>
+                </a:lnTo>
+                <a:lnTo>
+                  <a:pt x="959718" y="959719"/>
+                </a:lnTo>
+                <a:lnTo>
+                  <a:pt x="0" y="959719"/>
+                </a:lnTo>
+                <a:lnTo>
+                  <a:pt x="0" y="0"/>
+                </a:lnTo>
+                <a:close/>
+              </a:path>
+            </a:pathLst>
+          </a:custGeom>
+          <a:blipFill>
+            <a:blip r:embed="rId4">
+              <a:extLst>
+                <a:ext uri="{96DAC541-7B7A-43D3-8B79-37D633B846F1}">
+                  <asvg:svgBlip xmlns:asvg="http://schemas.microsoft.com/office/drawing/2016/SVG/main" r:embed="rId5"/>
+                </a:ext>
+              </a:extLst>
+            </a:blip>
+            <a:stretch>
+              <a:fillRect l="0" t="0" r="0" b="0"/>
+            </a:stretch>
+          </a:blipFill>
+        </p:spPr>
+      </p:sp>
+      <p:sp>
+        <p:nvSpPr>
+          <p:cNvPr name="Freeform 7" id="7"/>
+          <p:cNvSpPr/>
+          <p:nvPr/>
+        </p:nvSpPr>
+        <p:spPr>
+          <a:xfrm flipH="false" flipV="false" rot="0">
+            <a:off x="10613523" y="4762101"/>
+            <a:ext cx="959718" cy="959718"/>
+          </a:xfrm>
+          <a:custGeom>
+            <a:avLst/>
+            <a:gdLst/>
+            <a:ahLst/>
+            <a:cxnLst/>
+            <a:rect r="r" b="b" t="t" l="l"/>
+            <a:pathLst>
+              <a:path h="959718" w="959718">
+                <a:moveTo>
+                  <a:pt x="0" y="0"/>
+                </a:moveTo>
+                <a:lnTo>
+                  <a:pt x="959718" y="0"/>
+                </a:lnTo>
+                <a:lnTo>
+                  <a:pt x="959718" y="959718"/>
+                </a:lnTo>
+                <a:lnTo>
+                  <a:pt x="0" y="959718"/>
+                </a:lnTo>
+                <a:lnTo>
+                  <a:pt x="0" y="0"/>
+                </a:lnTo>
+                <a:close/>
+              </a:path>
+            </a:pathLst>
+          </a:custGeom>
+          <a:blipFill>
+            <a:blip r:embed="rId4">
+              <a:extLst>
+                <a:ext uri="{96DAC541-7B7A-43D3-8B79-37D633B846F1}">
+                  <asvg:svgBlip xmlns:asvg="http://schemas.microsoft.com/office/drawing/2016/SVG/main" r:embed="rId5"/>
+                </a:ext>
+              </a:extLst>
+            </a:blip>
+            <a:stretch>
+              <a:fillRect l="0" t="0" r="0" b="0"/>
+            </a:stretch>
+          </a:blipFill>
+        </p:spPr>
+      </p:sp>
+      <p:sp>
+        <p:nvSpPr>
+          <p:cNvPr name="Freeform 8" id="8"/>
+          <p:cNvSpPr/>
+          <p:nvPr/>
+        </p:nvSpPr>
+        <p:spPr>
+          <a:xfrm flipH="false" flipV="false" rot="0">
+            <a:off x="10628283" y="7053238"/>
+            <a:ext cx="959718" cy="959718"/>
+          </a:xfrm>
+          <a:custGeom>
+            <a:avLst/>
+            <a:gdLst/>
+            <a:ahLst/>
+            <a:cxnLst/>
+            <a:rect r="r" b="b" t="t" l="l"/>
+            <a:pathLst>
+              <a:path h="959718" w="959718">
+                <a:moveTo>
+                  <a:pt x="0" y="0"/>
+                </a:moveTo>
+                <a:lnTo>
+                  <a:pt x="959719" y="0"/>
+                </a:lnTo>
+                <a:lnTo>
+                  <a:pt x="959719" y="959718"/>
+                </a:lnTo>
+                <a:lnTo>
+                  <a:pt x="0" y="959718"/>
+                </a:lnTo>
+                <a:lnTo>
+                  <a:pt x="0" y="0"/>
+                </a:lnTo>
+                <a:close/>
+              </a:path>
+            </a:pathLst>
+          </a:custGeom>
+          <a:blipFill>
+            <a:blip r:embed="rId4">
+              <a:extLst>
+                <a:ext uri="{96DAC541-7B7A-43D3-8B79-37D633B846F1}">
+                  <asvg:svgBlip xmlns:asvg="http://schemas.microsoft.com/office/drawing/2016/SVG/main" r:embed="rId5"/>
+                </a:ext>
+              </a:extLst>
+            </a:blip>
+            <a:stretch>
+              <a:fillRect l="0" t="0" r="0" b="0"/>
+            </a:stretch>
+          </a:blipFill>
+        </p:spPr>
+      </p:sp>
+      <p:sp>
+        <p:nvSpPr>
+          <p:cNvPr name="Freeform 9" id="9"/>
+          <p:cNvSpPr/>
+          <p:nvPr/>
+        </p:nvSpPr>
+        <p:spPr>
+          <a:xfrm flipH="false" flipV="false" rot="0">
+            <a:off x="-2843309" y="1268486"/>
+            <a:ext cx="6873872" cy="162473"/>
+          </a:xfrm>
+          <a:custGeom>
+            <a:avLst/>
+            <a:gdLst/>
+            <a:ahLst/>
+            <a:cxnLst/>
+            <a:rect r="r" b="b" t="t" l="l"/>
+            <a:pathLst>
+              <a:path h="162473" w="6873872">
+                <a:moveTo>
+                  <a:pt x="0" y="0"/>
+                </a:moveTo>
+                <a:lnTo>
+                  <a:pt x="6873873" y="0"/>
+                </a:lnTo>
+                <a:lnTo>
+                  <a:pt x="6873873" y="162473"/>
+                </a:lnTo>
+                <a:lnTo>
+                  <a:pt x="0" y="162473"/>
+                </a:lnTo>
+                <a:lnTo>
+                  <a:pt x="0" y="0"/>
+                </a:lnTo>
+                <a:close/>
+              </a:path>
+            </a:pathLst>
+          </a:custGeom>
+          <a:blipFill>
+            <a:blip r:embed="rId6">
+              <a:extLst>
+                <a:ext uri="{96DAC541-7B7A-43D3-8B79-37D633B846F1}">
+                  <asvg:svgBlip xmlns:asvg="http://schemas.microsoft.com/office/drawing/2016/SVG/main" r:embed="rId7"/>
+                </a:ext>
+              </a:extLst>
+            </a:blip>
+            <a:stretch>
+              <a:fillRect l="0" t="0" r="0" b="0"/>
+            </a:stretch>
+          </a:blipFill>
+        </p:spPr>
+      </p:sp>
+      <p:sp>
+        <p:nvSpPr>
+          <p:cNvPr name="Freeform 10" id="10"/>
+          <p:cNvSpPr/>
+          <p:nvPr/>
+        </p:nvSpPr>
+        <p:spPr>
+          <a:xfrm flipH="false" flipV="false" rot="0">
+            <a:off x="1059746" y="760598"/>
+            <a:ext cx="300896" cy="300896"/>
+          </a:xfrm>
+          <a:custGeom>
+            <a:avLst/>
+            <a:gdLst/>
+            <a:ahLst/>
+            <a:cxnLst/>
+            <a:rect r="r" b="b" t="t" l="l"/>
+            <a:pathLst>
+              <a:path h="300896" w="300896">
+                <a:moveTo>
+                  <a:pt x="0" y="0"/>
+                </a:moveTo>
+                <a:lnTo>
+                  <a:pt x="300896" y="0"/>
+                </a:lnTo>
+                <a:lnTo>
+                  <a:pt x="300896" y="300895"/>
+                </a:lnTo>
+                <a:lnTo>
+                  <a:pt x="0" y="300895"/>
+                </a:lnTo>
+                <a:lnTo>
+                  <a:pt x="0" y="0"/>
+                </a:lnTo>
+                <a:close/>
+              </a:path>
+            </a:pathLst>
+          </a:custGeom>
+          <a:blipFill>
+            <a:blip r:embed="rId8">
+              <a:extLst>
+                <a:ext uri="{96DAC541-7B7A-43D3-8B79-37D633B846F1}">
+                  <asvg:svgBlip xmlns:asvg="http://schemas.microsoft.com/office/drawing/2016/SVG/main" r:embed="rId9"/>
+                </a:ext>
+              </a:extLst>
+            </a:blip>
+            <a:stretch>
+              <a:fillRect l="0" t="0" r="0" b="0"/>
+            </a:stretch>
+          </a:blipFill>
+        </p:spPr>
+      </p:sp>
+      <p:sp>
+        <p:nvSpPr>
+          <p:cNvPr name="Freeform 11" id="11"/>
+          <p:cNvSpPr/>
+          <p:nvPr/>
+        </p:nvSpPr>
+        <p:spPr>
+          <a:xfrm flipH="false" flipV="false" rot="0">
+            <a:off x="147349" y="2341228"/>
+            <a:ext cx="9843823" cy="6761182"/>
+          </a:xfrm>
+          <a:custGeom>
+            <a:avLst/>
+            <a:gdLst/>
+            <a:ahLst/>
+            <a:cxnLst/>
+            <a:rect r="r" b="b" t="t" l="l"/>
+            <a:pathLst>
+              <a:path h="6761182" w="9843823">
+                <a:moveTo>
+                  <a:pt x="0" y="0"/>
+                </a:moveTo>
+                <a:lnTo>
+                  <a:pt x="9843824" y="0"/>
+                </a:lnTo>
+                <a:lnTo>
+                  <a:pt x="9843824" y="6761183"/>
+                </a:lnTo>
+                <a:lnTo>
+                  <a:pt x="0" y="6761183"/>
+                </a:lnTo>
+                <a:lnTo>
+                  <a:pt x="0" y="0"/>
+                </a:lnTo>
+                <a:close/>
+              </a:path>
+            </a:pathLst>
+          </a:custGeom>
+          <a:blipFill>
+            <a:blip r:embed="rId10"/>
+            <a:stretch>
+              <a:fillRect l="0" t="0" r="0" b="0"/>
+            </a:stretch>
+          </a:blipFill>
+        </p:spPr>
+      </p:sp>
+      <p:sp>
+        <p:nvSpPr>
+          <p:cNvPr name="TextBox 12" id="12"/>
+          <p:cNvSpPr txBox="true"/>
+          <p:nvPr/>
+        </p:nvSpPr>
+        <p:spPr>
+          <a:xfrm rot="0">
+            <a:off x="5215916" y="356870"/>
+            <a:ext cx="7856167" cy="1200785"/>
+          </a:xfrm>
+          <a:prstGeom prst="rect">
+            <a:avLst/>
+          </a:prstGeom>
+        </p:spPr>
+        <p:txBody>
+          <a:bodyPr anchor="t" rtlCol="false" tIns="0" lIns="0" bIns="0" rIns="0">
+            <a:spAutoFit/>
+          </a:bodyPr>
+          <a:lstStyle/>
+          <a:p>
+            <a:pPr>
+              <a:lnSpc>
+                <a:spcPts val="8469"/>
+              </a:lnSpc>
+            </a:pPr>
+            <a:r>
+              <a:rPr lang="en-US" sz="6999">
+                <a:solidFill>
+                  <a:srgbClr val="FFFFFF"/>
+                </a:solidFill>
+                <a:latin typeface="Kollektif Bold"/>
+              </a:rPr>
+              <a:t>Paso 2</a:t>
+            </a:r>
+          </a:p>
+        </p:txBody>
+      </p:sp>
+      <p:sp>
+        <p:nvSpPr>
+          <p:cNvPr name="TextBox 13" id="13"/>
+          <p:cNvSpPr txBox="true"/>
+          <p:nvPr/>
+        </p:nvSpPr>
+        <p:spPr>
+          <a:xfrm rot="0">
+            <a:off x="11787047" y="2563254"/>
+            <a:ext cx="5740929" cy="481089"/>
+          </a:xfrm>
+          <a:prstGeom prst="rect">
+            <a:avLst/>
+          </a:prstGeom>
+        </p:spPr>
+        <p:txBody>
+          <a:bodyPr anchor="t" rtlCol="false" tIns="0" lIns="0" bIns="0" rIns="0">
+            <a:spAutoFit/>
+          </a:bodyPr>
+          <a:lstStyle/>
+          <a:p>
+            <a:pPr>
+              <a:lnSpc>
+                <a:spcPts val="3903"/>
+              </a:lnSpc>
+            </a:pPr>
+            <a:r>
+              <a:rPr lang="en-US" sz="2535" spc="55">
+                <a:solidFill>
+                  <a:srgbClr val="1E1E1E"/>
+                </a:solidFill>
+                <a:latin typeface="Now Bold"/>
+              </a:rPr>
+              <a:t>IR A SETTINGS</a:t>
+            </a:r>
+          </a:p>
+        </p:txBody>
+      </p:sp>
+      <p:sp>
+        <p:nvSpPr>
+          <p:cNvPr name="TextBox 14" id="14"/>
+          <p:cNvSpPr txBox="true"/>
+          <p:nvPr/>
+        </p:nvSpPr>
+        <p:spPr>
+          <a:xfrm rot="0">
+            <a:off x="10613523" y="2695077"/>
+            <a:ext cx="944958" cy="447778"/>
+          </a:xfrm>
+          <a:prstGeom prst="rect">
+            <a:avLst/>
+          </a:prstGeom>
+        </p:spPr>
+        <p:txBody>
+          <a:bodyPr anchor="t" rtlCol="false" tIns="0" lIns="0" bIns="0" rIns="0">
+            <a:spAutoFit/>
+          </a:bodyPr>
+          <a:lstStyle/>
+          <a:p>
+            <a:pPr algn="ctr">
+              <a:lnSpc>
+                <a:spcPts val="3669"/>
+              </a:lnSpc>
+              <a:spcBef>
+                <a:spcPct val="0"/>
+              </a:spcBef>
+            </a:pPr>
+            <a:r>
+              <a:rPr lang="en-US" sz="2620" spc="385">
+                <a:solidFill>
+                  <a:srgbClr val="000000"/>
+                </a:solidFill>
+                <a:latin typeface="Now Bold"/>
+              </a:rPr>
+              <a:t>01</a:t>
+            </a:r>
+          </a:p>
+        </p:txBody>
+      </p:sp>
+      <p:sp>
+        <p:nvSpPr>
+          <p:cNvPr name="TextBox 15" id="15"/>
+          <p:cNvSpPr txBox="true"/>
+          <p:nvPr/>
+        </p:nvSpPr>
+        <p:spPr>
+          <a:xfrm rot="0">
+            <a:off x="11675286" y="4890051"/>
+            <a:ext cx="5964450" cy="992632"/>
+          </a:xfrm>
+          <a:prstGeom prst="rect">
+            <a:avLst/>
+          </a:prstGeom>
+        </p:spPr>
+        <p:txBody>
+          <a:bodyPr anchor="t" rtlCol="false" tIns="0" lIns="0" bIns="0" rIns="0">
+            <a:spAutoFit/>
+          </a:bodyPr>
+          <a:lstStyle/>
+          <a:p>
+            <a:pPr>
+              <a:lnSpc>
+                <a:spcPts val="4004"/>
+              </a:lnSpc>
+            </a:pPr>
+            <a:r>
+              <a:rPr lang="en-US" sz="2600" spc="57">
+                <a:solidFill>
+                  <a:srgbClr val="1E1E1E"/>
+                </a:solidFill>
+                <a:latin typeface="Now Bold"/>
+              </a:rPr>
+              <a:t>SELECCIONAR EL APARTADO DE COLABOLADORES</a:t>
+            </a:r>
+          </a:p>
+        </p:txBody>
+      </p:sp>
+      <p:sp>
+        <p:nvSpPr>
+          <p:cNvPr name="TextBox 16" id="16"/>
+          <p:cNvSpPr txBox="true"/>
+          <p:nvPr/>
+        </p:nvSpPr>
+        <p:spPr>
+          <a:xfrm rot="0">
+            <a:off x="10628283" y="4986214"/>
+            <a:ext cx="944958" cy="447778"/>
+          </a:xfrm>
+          <a:prstGeom prst="rect">
+            <a:avLst/>
+          </a:prstGeom>
+        </p:spPr>
+        <p:txBody>
+          <a:bodyPr anchor="t" rtlCol="false" tIns="0" lIns="0" bIns="0" rIns="0">
+            <a:spAutoFit/>
+          </a:bodyPr>
+          <a:lstStyle/>
+          <a:p>
+            <a:pPr algn="ctr">
+              <a:lnSpc>
+                <a:spcPts val="3669"/>
+              </a:lnSpc>
+              <a:spcBef>
+                <a:spcPct val="0"/>
+              </a:spcBef>
+            </a:pPr>
+            <a:r>
+              <a:rPr lang="en-US" sz="2620" spc="385">
+                <a:solidFill>
+                  <a:srgbClr val="000000"/>
+                </a:solidFill>
+                <a:latin typeface="Now Bold"/>
+              </a:rPr>
+              <a:t>02</a:t>
+            </a:r>
+          </a:p>
+        </p:txBody>
+      </p:sp>
+      <p:sp>
+        <p:nvSpPr>
+          <p:cNvPr name="TextBox 17" id="17"/>
+          <p:cNvSpPr txBox="true"/>
+          <p:nvPr/>
+        </p:nvSpPr>
+        <p:spPr>
+          <a:xfrm rot="0">
+            <a:off x="11801807" y="7207438"/>
+            <a:ext cx="5573661" cy="487807"/>
+          </a:xfrm>
+          <a:prstGeom prst="rect">
+            <a:avLst/>
+          </a:prstGeom>
+        </p:spPr>
+        <p:txBody>
+          <a:bodyPr anchor="t" rtlCol="false" tIns="0" lIns="0" bIns="0" rIns="0">
+            <a:spAutoFit/>
+          </a:bodyPr>
+          <a:lstStyle/>
+          <a:p>
+            <a:pPr>
+              <a:lnSpc>
+                <a:spcPts val="4004"/>
+              </a:lnSpc>
+            </a:pPr>
+            <a:r>
+              <a:rPr lang="en-US" sz="2600" spc="57">
+                <a:solidFill>
+                  <a:srgbClr val="1E1E1E"/>
+                </a:solidFill>
+                <a:latin typeface="Now Bold"/>
+              </a:rPr>
+              <a:t>HACER CLIC EN ADD PEOPLE</a:t>
+            </a:r>
+          </a:p>
+        </p:txBody>
+      </p:sp>
+      <p:sp>
+        <p:nvSpPr>
+          <p:cNvPr name="TextBox 18" id="18"/>
+          <p:cNvSpPr txBox="true"/>
+          <p:nvPr/>
+        </p:nvSpPr>
+        <p:spPr>
+          <a:xfrm rot="0">
+            <a:off x="10643043" y="7277351"/>
+            <a:ext cx="944958" cy="447778"/>
+          </a:xfrm>
+          <a:prstGeom prst="rect">
+            <a:avLst/>
+          </a:prstGeom>
+        </p:spPr>
+        <p:txBody>
+          <a:bodyPr anchor="t" rtlCol="false" tIns="0" lIns="0" bIns="0" rIns="0">
+            <a:spAutoFit/>
+          </a:bodyPr>
+          <a:lstStyle/>
+          <a:p>
+            <a:pPr algn="ctr">
+              <a:lnSpc>
+                <a:spcPts val="3669"/>
+              </a:lnSpc>
+              <a:spcBef>
+                <a:spcPct val="0"/>
+              </a:spcBef>
+            </a:pPr>
+            <a:r>
+              <a:rPr lang="en-US" sz="2620" spc="385">
+                <a:solidFill>
+                  <a:srgbClr val="000000"/>
+                </a:solidFill>
+                <a:latin typeface="Now Bold"/>
+              </a:rPr>
+              <a:t>03</a:t>
+            </a:r>
+          </a:p>
+        </p:txBody>
+      </p:sp>
+    </p:spTree>
+  </p:cSld>
+  <p:clrMapOvr>
+    <a:masterClrMapping/>
+  </p:clrMapOvr>
+</p:sld>
+</file>
+
+<file path=ppt/slides/slide18.xml><?xml version="1.0" encoding="utf-8"?>
+<p:sld xmlns:p="http://schemas.openxmlformats.org/presentationml/2006/main" xmlns:a="http://schemas.openxmlformats.org/drawingml/2006/main" xmlns:r="http://schemas.openxmlformats.org/officeDocument/2006/relationships">
+  <p:cSld>
+    <p:bg>
+      <p:bgPr>
+        <a:solidFill>
+          <a:srgbClr val="1E1E1E"/>
+        </a:solidFill>
+      </p:bgPr>
+    </p:bg>
+    <p:spTree>
+      <p:nvGrpSpPr>
+        <p:cNvPr id="1" name=""/>
+        <p:cNvGrpSpPr/>
+        <p:nvPr/>
+      </p:nvGrpSpPr>
+      <p:grpSpPr>
+        <a:xfrm>
+          <a:off x="0" y="0"/>
+          <a:ext cx="0" cy="0"/>
+          <a:chOff x="0" y="0"/>
+          <a:chExt cx="0" cy="0"/>
+        </a:xfrm>
+      </p:grpSpPr>
+      <p:grpSp>
+        <p:nvGrpSpPr>
+          <p:cNvPr name="Group 2" id="2"/>
+          <p:cNvGrpSpPr/>
+          <p:nvPr/>
+        </p:nvGrpSpPr>
+        <p:grpSpPr>
+          <a:xfrm rot="0">
+            <a:off x="10191198" y="1999897"/>
+            <a:ext cx="7560299" cy="7443845"/>
+            <a:chOff x="0" y="0"/>
+            <a:chExt cx="1991190" cy="1960519"/>
+          </a:xfrm>
+        </p:grpSpPr>
+        <p:sp>
+          <p:nvSpPr>
+            <p:cNvPr name="Freeform 3" id="3"/>
+            <p:cNvSpPr/>
+            <p:nvPr/>
+          </p:nvSpPr>
+          <p:spPr>
+            <a:xfrm flipH="false" flipV="false" rot="0">
+              <a:off x="0" y="0"/>
+              <a:ext cx="1991190" cy="1960519"/>
+            </a:xfrm>
+            <a:custGeom>
+              <a:avLst/>
+              <a:gdLst/>
+              <a:ahLst/>
+              <a:cxnLst/>
+              <a:rect r="r" b="b" t="t" l="l"/>
+              <a:pathLst>
+                <a:path h="1960519" w="1991190">
+                  <a:moveTo>
+                    <a:pt x="0" y="0"/>
+                  </a:moveTo>
+                  <a:lnTo>
+                    <a:pt x="1991190" y="0"/>
+                  </a:lnTo>
+                  <a:lnTo>
+                    <a:pt x="1991190" y="1960519"/>
+                  </a:lnTo>
+                  <a:lnTo>
+                    <a:pt x="0" y="1960519"/>
+                  </a:lnTo>
+                  <a:close/>
+                </a:path>
+              </a:pathLst>
+            </a:custGeom>
+            <a:solidFill>
+              <a:srgbClr val="EFEEE9"/>
+            </a:solidFill>
+          </p:spPr>
+        </p:sp>
+        <p:sp>
+          <p:nvSpPr>
+            <p:cNvPr name="TextBox 4" id="4"/>
+            <p:cNvSpPr txBox="true"/>
+            <p:nvPr/>
+          </p:nvSpPr>
+          <p:spPr>
+            <a:xfrm>
+              <a:off x="0" y="19050"/>
+              <a:ext cx="1991190" cy="1941469"/>
+            </a:xfrm>
+            <a:prstGeom prst="rect">
+              <a:avLst/>
+            </a:prstGeom>
+          </p:spPr>
+          <p:txBody>
+            <a:bodyPr anchor="ctr" rtlCol="false" tIns="50800" lIns="50800" bIns="50800" rIns="50800"/>
+            <a:lstStyle/>
+            <a:p>
+              <a:pPr algn="ctr">
+                <a:lnSpc>
+                  <a:spcPts val="1869"/>
+                </a:lnSpc>
+              </a:pPr>
+            </a:p>
+          </p:txBody>
+        </p:sp>
+      </p:grpSp>
+      <p:sp>
+        <p:nvSpPr>
+          <p:cNvPr name="Freeform 5" id="5"/>
+          <p:cNvSpPr/>
+          <p:nvPr/>
+        </p:nvSpPr>
+        <p:spPr>
+          <a:xfrm flipH="false" flipV="false" rot="0">
+            <a:off x="17192315" y="612415"/>
+            <a:ext cx="559181" cy="296366"/>
+          </a:xfrm>
+          <a:custGeom>
+            <a:avLst/>
+            <a:gdLst/>
+            <a:ahLst/>
+            <a:cxnLst/>
+            <a:rect r="r" b="b" t="t" l="l"/>
+            <a:pathLst>
+              <a:path h="296366" w="559181">
+                <a:moveTo>
+                  <a:pt x="0" y="0"/>
+                </a:moveTo>
+                <a:lnTo>
+                  <a:pt x="559182" y="0"/>
+                </a:lnTo>
+                <a:lnTo>
+                  <a:pt x="559182" y="296366"/>
+                </a:lnTo>
+                <a:lnTo>
+                  <a:pt x="0" y="296366"/>
+                </a:lnTo>
+                <a:lnTo>
+                  <a:pt x="0" y="0"/>
+                </a:lnTo>
+                <a:close/>
+              </a:path>
+            </a:pathLst>
+          </a:custGeom>
+          <a:blipFill>
+            <a:blip r:embed="rId2">
+              <a:extLst>
+                <a:ext uri="{96DAC541-7B7A-43D3-8B79-37D633B846F1}">
+                  <asvg:svgBlip xmlns:asvg="http://schemas.microsoft.com/office/drawing/2016/SVG/main" r:embed="rId3"/>
+                </a:ext>
+              </a:extLst>
+            </a:blip>
+            <a:stretch>
+              <a:fillRect l="0" t="0" r="0" b="0"/>
+            </a:stretch>
+          </a:blipFill>
+        </p:spPr>
+      </p:sp>
+      <p:sp>
+        <p:nvSpPr>
+          <p:cNvPr name="Freeform 6" id="6"/>
+          <p:cNvSpPr/>
+          <p:nvPr/>
+        </p:nvSpPr>
+        <p:spPr>
+          <a:xfrm flipH="false" flipV="false" rot="0">
+            <a:off x="10598763" y="2470964"/>
+            <a:ext cx="959718" cy="959718"/>
+          </a:xfrm>
+          <a:custGeom>
+            <a:avLst/>
+            <a:gdLst/>
+            <a:ahLst/>
+            <a:cxnLst/>
+            <a:rect r="r" b="b" t="t" l="l"/>
+            <a:pathLst>
+              <a:path h="959718" w="959718">
+                <a:moveTo>
+                  <a:pt x="0" y="0"/>
+                </a:moveTo>
+                <a:lnTo>
+                  <a:pt x="959718" y="0"/>
+                </a:lnTo>
+                <a:lnTo>
+                  <a:pt x="959718" y="959719"/>
+                </a:lnTo>
+                <a:lnTo>
+                  <a:pt x="0" y="959719"/>
+                </a:lnTo>
+                <a:lnTo>
+                  <a:pt x="0" y="0"/>
+                </a:lnTo>
+                <a:close/>
+              </a:path>
+            </a:pathLst>
+          </a:custGeom>
+          <a:blipFill>
+            <a:blip r:embed="rId4">
+              <a:extLst>
+                <a:ext uri="{96DAC541-7B7A-43D3-8B79-37D633B846F1}">
+                  <asvg:svgBlip xmlns:asvg="http://schemas.microsoft.com/office/drawing/2016/SVG/main" r:embed="rId5"/>
+                </a:ext>
+              </a:extLst>
+            </a:blip>
+            <a:stretch>
+              <a:fillRect l="0" t="0" r="0" b="0"/>
+            </a:stretch>
+          </a:blipFill>
+        </p:spPr>
+      </p:sp>
+      <p:sp>
+        <p:nvSpPr>
+          <p:cNvPr name="Freeform 7" id="7"/>
+          <p:cNvSpPr/>
+          <p:nvPr/>
+        </p:nvSpPr>
+        <p:spPr>
+          <a:xfrm flipH="false" flipV="false" rot="0">
+            <a:off x="10613523" y="4762101"/>
+            <a:ext cx="959718" cy="959718"/>
+          </a:xfrm>
+          <a:custGeom>
+            <a:avLst/>
+            <a:gdLst/>
+            <a:ahLst/>
+            <a:cxnLst/>
+            <a:rect r="r" b="b" t="t" l="l"/>
+            <a:pathLst>
+              <a:path h="959718" w="959718">
+                <a:moveTo>
+                  <a:pt x="0" y="0"/>
+                </a:moveTo>
+                <a:lnTo>
+                  <a:pt x="959718" y="0"/>
+                </a:lnTo>
+                <a:lnTo>
+                  <a:pt x="959718" y="959718"/>
+                </a:lnTo>
+                <a:lnTo>
+                  <a:pt x="0" y="959718"/>
+                </a:lnTo>
+                <a:lnTo>
+                  <a:pt x="0" y="0"/>
+                </a:lnTo>
+                <a:close/>
+              </a:path>
+            </a:pathLst>
+          </a:custGeom>
+          <a:blipFill>
+            <a:blip r:embed="rId4">
+              <a:extLst>
+                <a:ext uri="{96DAC541-7B7A-43D3-8B79-37D633B846F1}">
+                  <asvg:svgBlip xmlns:asvg="http://schemas.microsoft.com/office/drawing/2016/SVG/main" r:embed="rId5"/>
+                </a:ext>
+              </a:extLst>
+            </a:blip>
+            <a:stretch>
+              <a:fillRect l="0" t="0" r="0" b="0"/>
+            </a:stretch>
+          </a:blipFill>
+        </p:spPr>
+      </p:sp>
+      <p:sp>
+        <p:nvSpPr>
+          <p:cNvPr name="Freeform 8" id="8"/>
+          <p:cNvSpPr/>
+          <p:nvPr/>
+        </p:nvSpPr>
+        <p:spPr>
+          <a:xfrm flipH="false" flipV="false" rot="0">
+            <a:off x="-2843309" y="1268486"/>
+            <a:ext cx="6873872" cy="162473"/>
+          </a:xfrm>
+          <a:custGeom>
+            <a:avLst/>
+            <a:gdLst/>
+            <a:ahLst/>
+            <a:cxnLst/>
+            <a:rect r="r" b="b" t="t" l="l"/>
+            <a:pathLst>
+              <a:path h="162473" w="6873872">
+                <a:moveTo>
+                  <a:pt x="0" y="0"/>
+                </a:moveTo>
+                <a:lnTo>
+                  <a:pt x="6873873" y="0"/>
+                </a:lnTo>
+                <a:lnTo>
+                  <a:pt x="6873873" y="162473"/>
+                </a:lnTo>
+                <a:lnTo>
+                  <a:pt x="0" y="162473"/>
+                </a:lnTo>
+                <a:lnTo>
+                  <a:pt x="0" y="0"/>
+                </a:lnTo>
+                <a:close/>
+              </a:path>
+            </a:pathLst>
+          </a:custGeom>
+          <a:blipFill>
+            <a:blip r:embed="rId6">
+              <a:extLst>
+                <a:ext uri="{96DAC541-7B7A-43D3-8B79-37D633B846F1}">
+                  <asvg:svgBlip xmlns:asvg="http://schemas.microsoft.com/office/drawing/2016/SVG/main" r:embed="rId7"/>
+                </a:ext>
+              </a:extLst>
+            </a:blip>
+            <a:stretch>
+              <a:fillRect l="0" t="0" r="0" b="0"/>
+            </a:stretch>
+          </a:blipFill>
+        </p:spPr>
+      </p:sp>
+      <p:sp>
+        <p:nvSpPr>
+          <p:cNvPr name="Freeform 9" id="9"/>
+          <p:cNvSpPr/>
+          <p:nvPr/>
+        </p:nvSpPr>
+        <p:spPr>
+          <a:xfrm flipH="false" flipV="false" rot="0">
+            <a:off x="1059746" y="760598"/>
+            <a:ext cx="300896" cy="300896"/>
+          </a:xfrm>
+          <a:custGeom>
+            <a:avLst/>
+            <a:gdLst/>
+            <a:ahLst/>
+            <a:cxnLst/>
+            <a:rect r="r" b="b" t="t" l="l"/>
+            <a:pathLst>
+              <a:path h="300896" w="300896">
+                <a:moveTo>
+                  <a:pt x="0" y="0"/>
+                </a:moveTo>
+                <a:lnTo>
+                  <a:pt x="300896" y="0"/>
+                </a:lnTo>
+                <a:lnTo>
+                  <a:pt x="300896" y="300895"/>
+                </a:lnTo>
+                <a:lnTo>
+                  <a:pt x="0" y="300895"/>
+                </a:lnTo>
+                <a:lnTo>
+                  <a:pt x="0" y="0"/>
+                </a:lnTo>
+                <a:close/>
+              </a:path>
+            </a:pathLst>
+          </a:custGeom>
+          <a:blipFill>
+            <a:blip r:embed="rId8">
+              <a:extLst>
+                <a:ext uri="{96DAC541-7B7A-43D3-8B79-37D633B846F1}">
+                  <asvg:svgBlip xmlns:asvg="http://schemas.microsoft.com/office/drawing/2016/SVG/main" r:embed="rId9"/>
+                </a:ext>
+              </a:extLst>
+            </a:blip>
+            <a:stretch>
+              <a:fillRect l="0" t="0" r="0" b="0"/>
+            </a:stretch>
+          </a:blipFill>
+        </p:spPr>
+      </p:sp>
+      <p:sp>
+        <p:nvSpPr>
+          <p:cNvPr name="Freeform 10" id="10"/>
+          <p:cNvSpPr/>
+          <p:nvPr/>
+        </p:nvSpPr>
+        <p:spPr>
+          <a:xfrm flipH="false" flipV="false" rot="0">
+            <a:off x="325519" y="2100018"/>
+            <a:ext cx="9446258" cy="6667947"/>
+          </a:xfrm>
+          <a:custGeom>
+            <a:avLst/>
+            <a:gdLst/>
+            <a:ahLst/>
+            <a:cxnLst/>
+            <a:rect r="r" b="b" t="t" l="l"/>
+            <a:pathLst>
+              <a:path h="6667947" w="9446258">
+                <a:moveTo>
+                  <a:pt x="0" y="0"/>
+                </a:moveTo>
+                <a:lnTo>
+                  <a:pt x="9446258" y="0"/>
+                </a:lnTo>
+                <a:lnTo>
+                  <a:pt x="9446258" y="6667947"/>
+                </a:lnTo>
+                <a:lnTo>
+                  <a:pt x="0" y="6667947"/>
+                </a:lnTo>
+                <a:lnTo>
+                  <a:pt x="0" y="0"/>
+                </a:lnTo>
+                <a:close/>
+              </a:path>
+            </a:pathLst>
+          </a:custGeom>
+          <a:blipFill>
+            <a:blip r:embed="rId10"/>
+            <a:stretch>
+              <a:fillRect l="0" t="0" r="0" b="0"/>
+            </a:stretch>
+          </a:blipFill>
+        </p:spPr>
+      </p:sp>
+      <p:sp>
+        <p:nvSpPr>
+          <p:cNvPr name="TextBox 11" id="11"/>
+          <p:cNvSpPr txBox="true"/>
+          <p:nvPr/>
+        </p:nvSpPr>
+        <p:spPr>
+          <a:xfrm rot="0">
+            <a:off x="5215916" y="356870"/>
+            <a:ext cx="7856167" cy="1200785"/>
+          </a:xfrm>
+          <a:prstGeom prst="rect">
+            <a:avLst/>
+          </a:prstGeom>
+        </p:spPr>
+        <p:txBody>
+          <a:bodyPr anchor="t" rtlCol="false" tIns="0" lIns="0" bIns="0" rIns="0">
+            <a:spAutoFit/>
+          </a:bodyPr>
+          <a:lstStyle/>
+          <a:p>
+            <a:pPr>
+              <a:lnSpc>
+                <a:spcPts val="8469"/>
+              </a:lnSpc>
+            </a:pPr>
+            <a:r>
+              <a:rPr lang="en-US" sz="6999">
+                <a:solidFill>
+                  <a:srgbClr val="FFFFFF"/>
+                </a:solidFill>
+                <a:latin typeface="Kollektif Bold"/>
+              </a:rPr>
+              <a:t>Paso 3</a:t>
+            </a:r>
+          </a:p>
+        </p:txBody>
+      </p:sp>
+      <p:sp>
+        <p:nvSpPr>
+          <p:cNvPr name="TextBox 12" id="12"/>
+          <p:cNvSpPr txBox="true"/>
+          <p:nvPr/>
+        </p:nvSpPr>
+        <p:spPr>
+          <a:xfrm rot="0">
+            <a:off x="11787047" y="2563254"/>
+            <a:ext cx="5740929" cy="1471689"/>
+          </a:xfrm>
+          <a:prstGeom prst="rect">
+            <a:avLst/>
+          </a:prstGeom>
+        </p:spPr>
+        <p:txBody>
+          <a:bodyPr anchor="t" rtlCol="false" tIns="0" lIns="0" bIns="0" rIns="0">
+            <a:spAutoFit/>
+          </a:bodyPr>
+          <a:lstStyle/>
+          <a:p>
+            <a:pPr>
+              <a:lnSpc>
+                <a:spcPts val="3903"/>
+              </a:lnSpc>
+            </a:pPr>
+            <a:r>
+              <a:rPr lang="en-US" sz="2535" spc="55">
+                <a:solidFill>
+                  <a:srgbClr val="1E1E1E"/>
+                </a:solidFill>
+                <a:latin typeface="Now Bold"/>
+              </a:rPr>
+              <a:t>ESCRIBIR EL NOMBRE DEL USUARIO QUE SE DESEA AGREGAR</a:t>
+            </a:r>
+          </a:p>
+        </p:txBody>
+      </p:sp>
+      <p:sp>
+        <p:nvSpPr>
+          <p:cNvPr name="TextBox 13" id="13"/>
+          <p:cNvSpPr txBox="true"/>
+          <p:nvPr/>
+        </p:nvSpPr>
+        <p:spPr>
+          <a:xfrm rot="0">
+            <a:off x="10613523" y="2695077"/>
+            <a:ext cx="944958" cy="447778"/>
+          </a:xfrm>
+          <a:prstGeom prst="rect">
+            <a:avLst/>
+          </a:prstGeom>
+        </p:spPr>
+        <p:txBody>
+          <a:bodyPr anchor="t" rtlCol="false" tIns="0" lIns="0" bIns="0" rIns="0">
+            <a:spAutoFit/>
+          </a:bodyPr>
+          <a:lstStyle/>
+          <a:p>
+            <a:pPr algn="ctr">
+              <a:lnSpc>
+                <a:spcPts val="3669"/>
+              </a:lnSpc>
+              <a:spcBef>
+                <a:spcPct val="0"/>
+              </a:spcBef>
+            </a:pPr>
+            <a:r>
+              <a:rPr lang="en-US" sz="2620" spc="385">
+                <a:solidFill>
+                  <a:srgbClr val="000000"/>
+                </a:solidFill>
+                <a:latin typeface="Now Bold"/>
+              </a:rPr>
+              <a:t>01</a:t>
+            </a:r>
+          </a:p>
+        </p:txBody>
+      </p:sp>
+      <p:sp>
+        <p:nvSpPr>
+          <p:cNvPr name="TextBox 14" id="14"/>
+          <p:cNvSpPr txBox="true"/>
+          <p:nvPr/>
+        </p:nvSpPr>
+        <p:spPr>
+          <a:xfrm rot="0">
+            <a:off x="11675286" y="4890051"/>
+            <a:ext cx="5964450" cy="992632"/>
+          </a:xfrm>
+          <a:prstGeom prst="rect">
+            <a:avLst/>
+          </a:prstGeom>
+        </p:spPr>
+        <p:txBody>
+          <a:bodyPr anchor="t" rtlCol="false" tIns="0" lIns="0" bIns="0" rIns="0">
+            <a:spAutoFit/>
+          </a:bodyPr>
+          <a:lstStyle/>
+          <a:p>
+            <a:pPr>
+              <a:lnSpc>
+                <a:spcPts val="4004"/>
+              </a:lnSpc>
+            </a:pPr>
+            <a:r>
+              <a:rPr lang="en-US" sz="2600" spc="57">
+                <a:solidFill>
+                  <a:srgbClr val="1E1E1E"/>
+                </a:solidFill>
+                <a:latin typeface="Now Bold"/>
+              </a:rPr>
+              <a:t>HACER CLIC EN EL BOTON VERDE PARA INVITAR GENTE</a:t>
+            </a:r>
+          </a:p>
+        </p:txBody>
+      </p:sp>
+      <p:sp>
+        <p:nvSpPr>
+          <p:cNvPr name="TextBox 15" id="15"/>
+          <p:cNvSpPr txBox="true"/>
+          <p:nvPr/>
+        </p:nvSpPr>
+        <p:spPr>
+          <a:xfrm rot="0">
+            <a:off x="10628283" y="4986214"/>
+            <a:ext cx="944958" cy="447778"/>
+          </a:xfrm>
+          <a:prstGeom prst="rect">
+            <a:avLst/>
+          </a:prstGeom>
+        </p:spPr>
+        <p:txBody>
+          <a:bodyPr anchor="t" rtlCol="false" tIns="0" lIns="0" bIns="0" rIns="0">
+            <a:spAutoFit/>
+          </a:bodyPr>
+          <a:lstStyle/>
+          <a:p>
+            <a:pPr algn="ctr">
+              <a:lnSpc>
+                <a:spcPts val="3669"/>
+              </a:lnSpc>
+              <a:spcBef>
+                <a:spcPct val="0"/>
+              </a:spcBef>
+            </a:pPr>
+            <a:r>
+              <a:rPr lang="en-US" sz="2620" spc="385">
+                <a:solidFill>
+                  <a:srgbClr val="000000"/>
+                </a:solidFill>
+                <a:latin typeface="Now Bold"/>
+              </a:rPr>
+              <a:t>02</a:t>
+            </a:r>
+          </a:p>
+        </p:txBody>
+      </p:sp>
     </p:spTree>
   </p:cSld>
   <p:clrMapOvr>
@@ -5002,6 +8183,1171 @@
           <a:chExt cx="0" cy="0"/>
         </a:xfrm>
       </p:grpSpPr>
+      <p:sp>
+        <p:nvSpPr>
+          <p:cNvPr name="Freeform 2" id="2"/>
+          <p:cNvSpPr/>
+          <p:nvPr/>
+        </p:nvSpPr>
+        <p:spPr>
+          <a:xfrm flipH="false" flipV="false" rot="0">
+            <a:off x="0" y="3038484"/>
+            <a:ext cx="8647553" cy="6016530"/>
+          </a:xfrm>
+          <a:custGeom>
+            <a:avLst/>
+            <a:gdLst/>
+            <a:ahLst/>
+            <a:cxnLst/>
+            <a:rect r="r" b="b" t="t" l="l"/>
+            <a:pathLst>
+              <a:path h="6016530" w="8647553">
+                <a:moveTo>
+                  <a:pt x="0" y="0"/>
+                </a:moveTo>
+                <a:lnTo>
+                  <a:pt x="8647553" y="0"/>
+                </a:lnTo>
+                <a:lnTo>
+                  <a:pt x="8647553" y="6016530"/>
+                </a:lnTo>
+                <a:lnTo>
+                  <a:pt x="0" y="6016530"/>
+                </a:lnTo>
+                <a:lnTo>
+                  <a:pt x="0" y="0"/>
+                </a:lnTo>
+                <a:close/>
+              </a:path>
+            </a:pathLst>
+          </a:custGeom>
+          <a:blipFill>
+            <a:blip r:embed="rId2"/>
+            <a:stretch>
+              <a:fillRect l="0" t="0" r="0" b="0"/>
+            </a:stretch>
+          </a:blipFill>
+        </p:spPr>
+      </p:sp>
+      <p:sp>
+        <p:nvSpPr>
+          <p:cNvPr name="Freeform 3" id="3"/>
+          <p:cNvSpPr/>
+          <p:nvPr/>
+        </p:nvSpPr>
+        <p:spPr>
+          <a:xfrm flipH="false" flipV="false" rot="0">
+            <a:off x="-905684" y="9258300"/>
+            <a:ext cx="19837040" cy="9461966"/>
+          </a:xfrm>
+          <a:custGeom>
+            <a:avLst/>
+            <a:gdLst/>
+            <a:ahLst/>
+            <a:cxnLst/>
+            <a:rect r="r" b="b" t="t" l="l"/>
+            <a:pathLst>
+              <a:path h="9461966" w="19837040">
+                <a:moveTo>
+                  <a:pt x="0" y="0"/>
+                </a:moveTo>
+                <a:lnTo>
+                  <a:pt x="19837040" y="0"/>
+                </a:lnTo>
+                <a:lnTo>
+                  <a:pt x="19837040" y="9461966"/>
+                </a:lnTo>
+                <a:lnTo>
+                  <a:pt x="0" y="9461966"/>
+                </a:lnTo>
+                <a:lnTo>
+                  <a:pt x="0" y="0"/>
+                </a:lnTo>
+                <a:close/>
+              </a:path>
+            </a:pathLst>
+          </a:custGeom>
+          <a:blipFill>
+            <a:blip r:embed="rId3">
+              <a:extLst>
+                <a:ext uri="{96DAC541-7B7A-43D3-8B79-37D633B846F1}">
+                  <asvg:svgBlip xmlns:asvg="http://schemas.microsoft.com/office/drawing/2016/SVG/main" r:embed="rId4"/>
+                </a:ext>
+              </a:extLst>
+            </a:blip>
+            <a:stretch>
+              <a:fillRect l="-27503" t="0" r="-24139" b="0"/>
+            </a:stretch>
+          </a:blipFill>
+        </p:spPr>
+      </p:sp>
+      <p:sp>
+        <p:nvSpPr>
+          <p:cNvPr name="Freeform 4" id="4"/>
+          <p:cNvSpPr/>
+          <p:nvPr/>
+        </p:nvSpPr>
+        <p:spPr>
+          <a:xfrm flipH="false" flipV="false" rot="0">
+            <a:off x="9012836" y="2339361"/>
+            <a:ext cx="8995024" cy="7700853"/>
+          </a:xfrm>
+          <a:custGeom>
+            <a:avLst/>
+            <a:gdLst/>
+            <a:ahLst/>
+            <a:cxnLst/>
+            <a:rect r="r" b="b" t="t" l="l"/>
+            <a:pathLst>
+              <a:path h="7700853" w="8995024">
+                <a:moveTo>
+                  <a:pt x="0" y="0"/>
+                </a:moveTo>
+                <a:lnTo>
+                  <a:pt x="8995024" y="0"/>
+                </a:lnTo>
+                <a:lnTo>
+                  <a:pt x="8995024" y="7700853"/>
+                </a:lnTo>
+                <a:lnTo>
+                  <a:pt x="0" y="7700853"/>
+                </a:lnTo>
+                <a:lnTo>
+                  <a:pt x="0" y="0"/>
+                </a:lnTo>
+                <a:close/>
+              </a:path>
+            </a:pathLst>
+          </a:custGeom>
+          <a:blipFill>
+            <a:blip r:embed="rId5"/>
+            <a:stretch>
+              <a:fillRect l="0" t="0" r="0" b="0"/>
+            </a:stretch>
+          </a:blipFill>
+        </p:spPr>
+      </p:sp>
+      <p:sp>
+        <p:nvSpPr>
+          <p:cNvPr name="TextBox 5" id="5"/>
+          <p:cNvSpPr txBox="true"/>
+          <p:nvPr/>
+        </p:nvSpPr>
+        <p:spPr>
+          <a:xfrm rot="0">
+            <a:off x="2976630" y="-152400"/>
+            <a:ext cx="11341846" cy="3267075"/>
+          </a:xfrm>
+          <a:prstGeom prst="rect">
+            <a:avLst/>
+          </a:prstGeom>
+        </p:spPr>
+        <p:txBody>
+          <a:bodyPr anchor="t" rtlCol="false" tIns="0" lIns="0" bIns="0" rIns="0">
+            <a:spAutoFit/>
+          </a:bodyPr>
+          <a:lstStyle/>
+          <a:p>
+            <a:pPr algn="ctr">
+              <a:lnSpc>
+                <a:spcPts val="9548"/>
+              </a:lnSpc>
+            </a:pPr>
+            <a:r>
+              <a:rPr lang="en-US" sz="7956">
+                <a:solidFill>
+                  <a:srgbClr val="FFFFFF"/>
+                </a:solidFill>
+                <a:latin typeface="Kollektif Bold"/>
+              </a:rPr>
+              <a:t>Acceso al código desde cualquier navegador </a:t>
+            </a:r>
+          </a:p>
+          <a:p>
+            <a:pPr algn="ctr" marL="0" indent="0" lvl="0">
+              <a:lnSpc>
+                <a:spcPts val="5534"/>
+              </a:lnSpc>
+              <a:spcBef>
+                <a:spcPct val="0"/>
+              </a:spcBef>
+            </a:pPr>
+          </a:p>
+        </p:txBody>
+      </p:sp>
+    </p:spTree>
+  </p:cSld>
+  <p:clrMapOvr>
+    <a:masterClrMapping/>
+  </p:clrMapOvr>
+</p:sld>
+</file>
+
+<file path=ppt/slides/slide5.xml><?xml version="1.0" encoding="utf-8"?>
+<p:sld xmlns:p="http://schemas.openxmlformats.org/presentationml/2006/main" xmlns:a="http://schemas.openxmlformats.org/drawingml/2006/main" xmlns:r="http://schemas.openxmlformats.org/officeDocument/2006/relationships">
+  <p:cSld>
+    <p:bg>
+      <p:bgPr>
+        <a:solidFill>
+          <a:srgbClr val="1E1E1E"/>
+        </a:solidFill>
+      </p:bgPr>
+    </p:bg>
+    <p:spTree>
+      <p:nvGrpSpPr>
+        <p:cNvPr id="1" name=""/>
+        <p:cNvGrpSpPr/>
+        <p:nvPr/>
+      </p:nvGrpSpPr>
+      <p:grpSpPr>
+        <a:xfrm>
+          <a:off x="0" y="0"/>
+          <a:ext cx="0" cy="0"/>
+          <a:chOff x="0" y="0"/>
+          <a:chExt cx="0" cy="0"/>
+        </a:xfrm>
+      </p:grpSpPr>
+      <p:sp>
+        <p:nvSpPr>
+          <p:cNvPr name="Freeform 2" id="2"/>
+          <p:cNvSpPr/>
+          <p:nvPr/>
+        </p:nvSpPr>
+        <p:spPr>
+          <a:xfrm flipH="false" flipV="false" rot="5811419">
+            <a:off x="-2555895" y="-6915560"/>
+            <a:ext cx="12287251" cy="10647531"/>
+          </a:xfrm>
+          <a:custGeom>
+            <a:avLst/>
+            <a:gdLst/>
+            <a:ahLst/>
+            <a:cxnLst/>
+            <a:rect r="r" b="b" t="t" l="l"/>
+            <a:pathLst>
+              <a:path h="10647531" w="12287251">
+                <a:moveTo>
+                  <a:pt x="0" y="0"/>
+                </a:moveTo>
+                <a:lnTo>
+                  <a:pt x="12287250" y="0"/>
+                </a:lnTo>
+                <a:lnTo>
+                  <a:pt x="12287250" y="10647531"/>
+                </a:lnTo>
+                <a:lnTo>
+                  <a:pt x="0" y="10647531"/>
+                </a:lnTo>
+                <a:lnTo>
+                  <a:pt x="0" y="0"/>
+                </a:lnTo>
+                <a:close/>
+              </a:path>
+            </a:pathLst>
+          </a:custGeom>
+          <a:blipFill>
+            <a:blip r:embed="rId2">
+              <a:extLst>
+                <a:ext uri="{96DAC541-7B7A-43D3-8B79-37D633B846F1}">
+                  <asvg:svgBlip xmlns:asvg="http://schemas.microsoft.com/office/drawing/2016/SVG/main" r:embed="rId3"/>
+                </a:ext>
+              </a:extLst>
+            </a:blip>
+            <a:stretch>
+              <a:fillRect l="0" t="0" r="0" b="0"/>
+            </a:stretch>
+          </a:blipFill>
+        </p:spPr>
+      </p:sp>
+      <p:sp>
+        <p:nvSpPr>
+          <p:cNvPr name="Freeform 3" id="3"/>
+          <p:cNvSpPr/>
+          <p:nvPr/>
+        </p:nvSpPr>
+        <p:spPr>
+          <a:xfrm flipH="false" flipV="false" rot="0">
+            <a:off x="5490654" y="2664171"/>
+            <a:ext cx="12460259" cy="6410133"/>
+          </a:xfrm>
+          <a:custGeom>
+            <a:avLst/>
+            <a:gdLst/>
+            <a:ahLst/>
+            <a:cxnLst/>
+            <a:rect r="r" b="b" t="t" l="l"/>
+            <a:pathLst>
+              <a:path h="6410133" w="12460259">
+                <a:moveTo>
+                  <a:pt x="0" y="0"/>
+                </a:moveTo>
+                <a:lnTo>
+                  <a:pt x="12460259" y="0"/>
+                </a:lnTo>
+                <a:lnTo>
+                  <a:pt x="12460259" y="6410134"/>
+                </a:lnTo>
+                <a:lnTo>
+                  <a:pt x="0" y="6410134"/>
+                </a:lnTo>
+                <a:lnTo>
+                  <a:pt x="0" y="0"/>
+                </a:lnTo>
+                <a:close/>
+              </a:path>
+            </a:pathLst>
+          </a:custGeom>
+          <a:blipFill>
+            <a:blip r:embed="rId4"/>
+            <a:stretch>
+              <a:fillRect l="0" t="0" r="0" b="0"/>
+            </a:stretch>
+          </a:blipFill>
+        </p:spPr>
+      </p:sp>
+      <p:sp>
+        <p:nvSpPr>
+          <p:cNvPr name="TextBox 4" id="4"/>
+          <p:cNvSpPr txBox="true"/>
+          <p:nvPr/>
+        </p:nvSpPr>
+        <p:spPr>
+          <a:xfrm rot="0">
+            <a:off x="5486457" y="513188"/>
+            <a:ext cx="12464455" cy="1550670"/>
+          </a:xfrm>
+          <a:prstGeom prst="rect">
+            <a:avLst/>
+          </a:prstGeom>
+        </p:spPr>
+        <p:txBody>
+          <a:bodyPr anchor="t" rtlCol="false" tIns="0" lIns="0" bIns="0" rIns="0">
+            <a:spAutoFit/>
+          </a:bodyPr>
+          <a:lstStyle/>
+          <a:p>
+            <a:pPr algn="ctr">
+              <a:lnSpc>
+                <a:spcPts val="10890"/>
+              </a:lnSpc>
+              <a:spcBef>
+                <a:spcPct val="0"/>
+              </a:spcBef>
+            </a:pPr>
+            <a:r>
+              <a:rPr lang="en-US" sz="9000">
+                <a:solidFill>
+                  <a:srgbClr val="FFFFFF"/>
+                </a:solidFill>
+                <a:latin typeface="Kollektif Bold"/>
+              </a:rPr>
+              <a:t>Como funciona GitHub  </a:t>
+            </a:r>
+          </a:p>
+        </p:txBody>
+      </p:sp>
+      <p:sp>
+        <p:nvSpPr>
+          <p:cNvPr name="TextBox 5" id="5"/>
+          <p:cNvSpPr txBox="true"/>
+          <p:nvPr/>
+        </p:nvSpPr>
+        <p:spPr>
+          <a:xfrm rot="0">
+            <a:off x="290610" y="2587971"/>
+            <a:ext cx="4915687" cy="5394055"/>
+          </a:xfrm>
+          <a:prstGeom prst="rect">
+            <a:avLst/>
+          </a:prstGeom>
+        </p:spPr>
+        <p:txBody>
+          <a:bodyPr anchor="t" rtlCol="false" tIns="0" lIns="0" bIns="0" rIns="0">
+            <a:spAutoFit/>
+          </a:bodyPr>
+          <a:lstStyle/>
+          <a:p>
+            <a:pPr algn="just">
+              <a:lnSpc>
+                <a:spcPts val="5340"/>
+              </a:lnSpc>
+            </a:pPr>
+            <a:r>
+              <a:rPr lang="en-US" sz="3814" spc="83">
+                <a:solidFill>
+                  <a:srgbClr val="FFFFFF"/>
+                </a:solidFill>
+                <a:latin typeface="Now Bold"/>
+              </a:rPr>
+              <a:t>Se edita el código fuente de manera local y luego se sube a la nube, donde otros usuarios pueden editarlo y visualizarlo</a:t>
+            </a:r>
+          </a:p>
+        </p:txBody>
+      </p:sp>
+    </p:spTree>
+  </p:cSld>
+  <p:clrMapOvr>
+    <a:masterClrMapping/>
+  </p:clrMapOvr>
+</p:sld>
+</file>
+
+<file path=ppt/slides/slide6.xml><?xml version="1.0" encoding="utf-8"?>
+<p:sld xmlns:p="http://schemas.openxmlformats.org/presentationml/2006/main" xmlns:a="http://schemas.openxmlformats.org/drawingml/2006/main" xmlns:r="http://schemas.openxmlformats.org/officeDocument/2006/relationships">
+  <p:cSld>
+    <p:bg>
+      <p:bgPr>
+        <a:solidFill>
+          <a:srgbClr val="1E1E1E"/>
+        </a:solidFill>
+      </p:bgPr>
+    </p:bg>
+    <p:spTree>
+      <p:nvGrpSpPr>
+        <p:cNvPr id="1" name=""/>
+        <p:cNvGrpSpPr/>
+        <p:nvPr/>
+      </p:nvGrpSpPr>
+      <p:grpSpPr>
+        <a:xfrm>
+          <a:off x="0" y="0"/>
+          <a:ext cx="0" cy="0"/>
+          <a:chOff x="0" y="0"/>
+          <a:chExt cx="0" cy="0"/>
+        </a:xfrm>
+      </p:grpSpPr>
+      <p:sp>
+        <p:nvSpPr>
+          <p:cNvPr name="Freeform 2" id="2"/>
+          <p:cNvSpPr/>
+          <p:nvPr/>
+        </p:nvSpPr>
+        <p:spPr>
+          <a:xfrm flipH="false" flipV="false" rot="0">
+            <a:off x="11856093" y="4408598"/>
+            <a:ext cx="4491099" cy="1412655"/>
+          </a:xfrm>
+          <a:custGeom>
+            <a:avLst/>
+            <a:gdLst/>
+            <a:ahLst/>
+            <a:cxnLst/>
+            <a:rect r="r" b="b" t="t" l="l"/>
+            <a:pathLst>
+              <a:path h="1412655" w="4491099">
+                <a:moveTo>
+                  <a:pt x="0" y="0"/>
+                </a:moveTo>
+                <a:lnTo>
+                  <a:pt x="4491100" y="0"/>
+                </a:lnTo>
+                <a:lnTo>
+                  <a:pt x="4491100" y="1412654"/>
+                </a:lnTo>
+                <a:lnTo>
+                  <a:pt x="0" y="1412654"/>
+                </a:lnTo>
+                <a:lnTo>
+                  <a:pt x="0" y="0"/>
+                </a:lnTo>
+                <a:close/>
+              </a:path>
+            </a:pathLst>
+          </a:custGeom>
+          <a:blipFill>
+            <a:blip r:embed="rId2">
+              <a:extLst>
+                <a:ext uri="{96DAC541-7B7A-43D3-8B79-37D633B846F1}">
+                  <asvg:svgBlip xmlns:asvg="http://schemas.microsoft.com/office/drawing/2016/SVG/main" r:embed="rId3"/>
+                </a:ext>
+              </a:extLst>
+            </a:blip>
+            <a:stretch>
+              <a:fillRect l="0" t="0" r="0" b="0"/>
+            </a:stretch>
+          </a:blipFill>
+        </p:spPr>
+      </p:sp>
+      <p:sp>
+        <p:nvSpPr>
+          <p:cNvPr name="Freeform 3" id="3"/>
+          <p:cNvSpPr/>
+          <p:nvPr/>
+        </p:nvSpPr>
+        <p:spPr>
+          <a:xfrm flipH="false" flipV="false" rot="0">
+            <a:off x="1724251" y="4408598"/>
+            <a:ext cx="4491099" cy="1412655"/>
+          </a:xfrm>
+          <a:custGeom>
+            <a:avLst/>
+            <a:gdLst/>
+            <a:ahLst/>
+            <a:cxnLst/>
+            <a:rect r="r" b="b" t="t" l="l"/>
+            <a:pathLst>
+              <a:path h="1412655" w="4491099">
+                <a:moveTo>
+                  <a:pt x="0" y="0"/>
+                </a:moveTo>
+                <a:lnTo>
+                  <a:pt x="4491099" y="0"/>
+                </a:lnTo>
+                <a:lnTo>
+                  <a:pt x="4491099" y="1412654"/>
+                </a:lnTo>
+                <a:lnTo>
+                  <a:pt x="0" y="1412654"/>
+                </a:lnTo>
+                <a:lnTo>
+                  <a:pt x="0" y="0"/>
+                </a:lnTo>
+                <a:close/>
+              </a:path>
+            </a:pathLst>
+          </a:custGeom>
+          <a:blipFill>
+            <a:blip r:embed="rId2">
+              <a:extLst>
+                <a:ext uri="{96DAC541-7B7A-43D3-8B79-37D633B846F1}">
+                  <asvg:svgBlip xmlns:asvg="http://schemas.microsoft.com/office/drawing/2016/SVG/main" r:embed="rId3"/>
+                </a:ext>
+              </a:extLst>
+            </a:blip>
+            <a:stretch>
+              <a:fillRect l="0" t="0" r="0" b="0"/>
+            </a:stretch>
+          </a:blipFill>
+        </p:spPr>
+      </p:sp>
+      <p:sp>
+        <p:nvSpPr>
+          <p:cNvPr name="TextBox 4" id="4"/>
+          <p:cNvSpPr txBox="true"/>
+          <p:nvPr/>
+        </p:nvSpPr>
+        <p:spPr>
+          <a:xfrm rot="0">
+            <a:off x="2063393" y="6115619"/>
+            <a:ext cx="4541061" cy="3357245"/>
+          </a:xfrm>
+          <a:prstGeom prst="rect">
+            <a:avLst/>
+          </a:prstGeom>
+        </p:spPr>
+        <p:txBody>
+          <a:bodyPr anchor="t" rtlCol="false" tIns="0" lIns="0" bIns="0" rIns="0">
+            <a:spAutoFit/>
+          </a:bodyPr>
+          <a:lstStyle/>
+          <a:p>
+            <a:pPr>
+              <a:lnSpc>
+                <a:spcPts val="4480"/>
+              </a:lnSpc>
+            </a:pPr>
+            <a:r>
+              <a:rPr lang="en-US" sz="3200" spc="70">
+                <a:solidFill>
+                  <a:srgbClr val="FFFFFF"/>
+                </a:solidFill>
+                <a:latin typeface="Now Bold"/>
+              </a:rPr>
+              <a:t>Interfaz grafica amigable con el usuario donde no se tienen que instalar libreríar ni usar comando </a:t>
+            </a:r>
+          </a:p>
+        </p:txBody>
+      </p:sp>
+      <p:sp>
+        <p:nvSpPr>
+          <p:cNvPr name="TextBox 5" id="5"/>
+          <p:cNvSpPr txBox="true"/>
+          <p:nvPr/>
+        </p:nvSpPr>
+        <p:spPr>
+          <a:xfrm rot="0">
+            <a:off x="1724251" y="4783137"/>
+            <a:ext cx="4674564" cy="609600"/>
+          </a:xfrm>
+          <a:prstGeom prst="rect">
+            <a:avLst/>
+          </a:prstGeom>
+        </p:spPr>
+        <p:txBody>
+          <a:bodyPr anchor="t" rtlCol="false" tIns="0" lIns="0" bIns="0" rIns="0">
+            <a:spAutoFit/>
+          </a:bodyPr>
+          <a:lstStyle/>
+          <a:p>
+            <a:pPr algn="ctr" marL="0" indent="0" lvl="0">
+              <a:lnSpc>
+                <a:spcPts val="4899"/>
+              </a:lnSpc>
+              <a:spcBef>
+                <a:spcPct val="0"/>
+              </a:spcBef>
+            </a:pPr>
+            <a:r>
+              <a:rPr lang="en-US" sz="3499" spc="514">
+                <a:solidFill>
+                  <a:srgbClr val="000000"/>
+                </a:solidFill>
+                <a:latin typeface="Now Bold"/>
+              </a:rPr>
+              <a:t>AMIGABLE</a:t>
+            </a:r>
+          </a:p>
+        </p:txBody>
+      </p:sp>
+      <p:sp>
+        <p:nvSpPr>
+          <p:cNvPr name="Freeform 6" id="6"/>
+          <p:cNvSpPr/>
+          <p:nvPr/>
+        </p:nvSpPr>
+        <p:spPr>
+          <a:xfrm flipH="false" flipV="false" rot="0">
+            <a:off x="6790172" y="4408598"/>
+            <a:ext cx="4491099" cy="1412655"/>
+          </a:xfrm>
+          <a:custGeom>
+            <a:avLst/>
+            <a:gdLst/>
+            <a:ahLst/>
+            <a:cxnLst/>
+            <a:rect r="r" b="b" t="t" l="l"/>
+            <a:pathLst>
+              <a:path h="1412655" w="4491099">
+                <a:moveTo>
+                  <a:pt x="0" y="0"/>
+                </a:moveTo>
+                <a:lnTo>
+                  <a:pt x="4491099" y="0"/>
+                </a:lnTo>
+                <a:lnTo>
+                  <a:pt x="4491099" y="1412654"/>
+                </a:lnTo>
+                <a:lnTo>
+                  <a:pt x="0" y="1412654"/>
+                </a:lnTo>
+                <a:lnTo>
+                  <a:pt x="0" y="0"/>
+                </a:lnTo>
+                <a:close/>
+              </a:path>
+            </a:pathLst>
+          </a:custGeom>
+          <a:blipFill>
+            <a:blip r:embed="rId2">
+              <a:extLst>
+                <a:ext uri="{96DAC541-7B7A-43D3-8B79-37D633B846F1}">
+                  <asvg:svgBlip xmlns:asvg="http://schemas.microsoft.com/office/drawing/2016/SVG/main" r:embed="rId3"/>
+                </a:ext>
+              </a:extLst>
+            </a:blip>
+            <a:stretch>
+              <a:fillRect l="0" t="0" r="0" b="0"/>
+            </a:stretch>
+          </a:blipFill>
+        </p:spPr>
+      </p:sp>
+      <p:sp>
+        <p:nvSpPr>
+          <p:cNvPr name="TextBox 7" id="7"/>
+          <p:cNvSpPr txBox="true"/>
+          <p:nvPr/>
+        </p:nvSpPr>
+        <p:spPr>
+          <a:xfrm rot="0">
+            <a:off x="6604455" y="4783137"/>
+            <a:ext cx="4807456" cy="609600"/>
+          </a:xfrm>
+          <a:prstGeom prst="rect">
+            <a:avLst/>
+          </a:prstGeom>
+        </p:spPr>
+        <p:txBody>
+          <a:bodyPr anchor="t" rtlCol="false" tIns="0" lIns="0" bIns="0" rIns="0">
+            <a:spAutoFit/>
+          </a:bodyPr>
+          <a:lstStyle/>
+          <a:p>
+            <a:pPr algn="ctr">
+              <a:lnSpc>
+                <a:spcPts val="4899"/>
+              </a:lnSpc>
+            </a:pPr>
+            <a:r>
+              <a:rPr lang="en-US" sz="3499" spc="514">
+                <a:solidFill>
+                  <a:srgbClr val="000000"/>
+                </a:solidFill>
+                <a:latin typeface="Now Bold"/>
+              </a:rPr>
+              <a:t>SENSILLA</a:t>
+            </a:r>
+          </a:p>
+        </p:txBody>
+      </p:sp>
+      <p:sp>
+        <p:nvSpPr>
+          <p:cNvPr name="TextBox 8" id="8"/>
+          <p:cNvSpPr txBox="true"/>
+          <p:nvPr/>
+        </p:nvSpPr>
+        <p:spPr>
+          <a:xfrm rot="0">
+            <a:off x="11856093" y="4783137"/>
+            <a:ext cx="4557297" cy="609600"/>
+          </a:xfrm>
+          <a:prstGeom prst="rect">
+            <a:avLst/>
+          </a:prstGeom>
+        </p:spPr>
+        <p:txBody>
+          <a:bodyPr anchor="t" rtlCol="false" tIns="0" lIns="0" bIns="0" rIns="0">
+            <a:spAutoFit/>
+          </a:bodyPr>
+          <a:lstStyle/>
+          <a:p>
+            <a:pPr algn="ctr">
+              <a:lnSpc>
+                <a:spcPts val="4899"/>
+              </a:lnSpc>
+            </a:pPr>
+            <a:r>
+              <a:rPr lang="en-US" sz="3499" spc="514">
+                <a:solidFill>
+                  <a:srgbClr val="000000"/>
+                </a:solidFill>
+                <a:latin typeface="Now Bold"/>
+              </a:rPr>
+              <a:t>COMPATIBLE</a:t>
+            </a:r>
+          </a:p>
+        </p:txBody>
+      </p:sp>
+      <p:sp>
+        <p:nvSpPr>
+          <p:cNvPr name="TextBox 9" id="9"/>
+          <p:cNvSpPr txBox="true"/>
+          <p:nvPr/>
+        </p:nvSpPr>
+        <p:spPr>
+          <a:xfrm rot="0">
+            <a:off x="2637841" y="1613963"/>
+            <a:ext cx="12740685" cy="1261110"/>
+          </a:xfrm>
+          <a:prstGeom prst="rect">
+            <a:avLst/>
+          </a:prstGeom>
+        </p:spPr>
+        <p:txBody>
+          <a:bodyPr anchor="t" rtlCol="false" tIns="0" lIns="0" bIns="0" rIns="0">
+            <a:spAutoFit/>
+          </a:bodyPr>
+          <a:lstStyle/>
+          <a:p>
+            <a:pPr algn="ctr">
+              <a:lnSpc>
+                <a:spcPts val="9240"/>
+              </a:lnSpc>
+            </a:pPr>
+            <a:r>
+              <a:rPr lang="en-US" sz="6600">
+                <a:solidFill>
+                  <a:srgbClr val="FFFFFF"/>
+                </a:solidFill>
+                <a:latin typeface="Kollektif Bold"/>
+              </a:rPr>
+              <a:t>Porque usar GitHub Desktop</a:t>
+            </a:r>
+          </a:p>
+        </p:txBody>
+      </p:sp>
+      <p:sp>
+        <p:nvSpPr>
+          <p:cNvPr name="Freeform 10" id="10"/>
+          <p:cNvSpPr/>
+          <p:nvPr/>
+        </p:nvSpPr>
+        <p:spPr>
+          <a:xfrm flipH="false" flipV="false" rot="0">
+            <a:off x="17192315" y="612415"/>
+            <a:ext cx="559181" cy="296366"/>
+          </a:xfrm>
+          <a:custGeom>
+            <a:avLst/>
+            <a:gdLst/>
+            <a:ahLst/>
+            <a:cxnLst/>
+            <a:rect r="r" b="b" t="t" l="l"/>
+            <a:pathLst>
+              <a:path h="296366" w="559181">
+                <a:moveTo>
+                  <a:pt x="0" y="0"/>
+                </a:moveTo>
+                <a:lnTo>
+                  <a:pt x="559182" y="0"/>
+                </a:lnTo>
+                <a:lnTo>
+                  <a:pt x="559182" y="296366"/>
+                </a:lnTo>
+                <a:lnTo>
+                  <a:pt x="0" y="296366"/>
+                </a:lnTo>
+                <a:lnTo>
+                  <a:pt x="0" y="0"/>
+                </a:lnTo>
+                <a:close/>
+              </a:path>
+            </a:pathLst>
+          </a:custGeom>
+          <a:blipFill>
+            <a:blip r:embed="rId4">
+              <a:extLst>
+                <a:ext uri="{96DAC541-7B7A-43D3-8B79-37D633B846F1}">
+                  <asvg:svgBlip xmlns:asvg="http://schemas.microsoft.com/office/drawing/2016/SVG/main" r:embed="rId5"/>
+                </a:ext>
+              </a:extLst>
+            </a:blip>
+            <a:stretch>
+              <a:fillRect l="0" t="0" r="0" b="0"/>
+            </a:stretch>
+          </a:blipFill>
+        </p:spPr>
+      </p:sp>
+      <p:sp>
+        <p:nvSpPr>
+          <p:cNvPr name="Freeform 11" id="11"/>
+          <p:cNvSpPr/>
+          <p:nvPr/>
+        </p:nvSpPr>
+        <p:spPr>
+          <a:xfrm flipH="false" flipV="false" rot="0">
+            <a:off x="-2843309" y="1268486"/>
+            <a:ext cx="6873872" cy="162473"/>
+          </a:xfrm>
+          <a:custGeom>
+            <a:avLst/>
+            <a:gdLst/>
+            <a:ahLst/>
+            <a:cxnLst/>
+            <a:rect r="r" b="b" t="t" l="l"/>
+            <a:pathLst>
+              <a:path h="162473" w="6873872">
+                <a:moveTo>
+                  <a:pt x="0" y="0"/>
+                </a:moveTo>
+                <a:lnTo>
+                  <a:pt x="6873873" y="0"/>
+                </a:lnTo>
+                <a:lnTo>
+                  <a:pt x="6873873" y="162473"/>
+                </a:lnTo>
+                <a:lnTo>
+                  <a:pt x="0" y="162473"/>
+                </a:lnTo>
+                <a:lnTo>
+                  <a:pt x="0" y="0"/>
+                </a:lnTo>
+                <a:close/>
+              </a:path>
+            </a:pathLst>
+          </a:custGeom>
+          <a:blipFill>
+            <a:blip r:embed="rId6">
+              <a:extLst>
+                <a:ext uri="{96DAC541-7B7A-43D3-8B79-37D633B846F1}">
+                  <asvg:svgBlip xmlns:asvg="http://schemas.microsoft.com/office/drawing/2016/SVG/main" r:embed="rId7"/>
+                </a:ext>
+              </a:extLst>
+            </a:blip>
+            <a:stretch>
+              <a:fillRect l="0" t="0" r="0" b="0"/>
+            </a:stretch>
+          </a:blipFill>
+        </p:spPr>
+      </p:sp>
+      <p:sp>
+        <p:nvSpPr>
+          <p:cNvPr name="TextBox 12" id="12"/>
+          <p:cNvSpPr txBox="true"/>
+          <p:nvPr/>
+        </p:nvSpPr>
+        <p:spPr>
+          <a:xfrm rot="0">
+            <a:off x="6873469" y="6115619"/>
+            <a:ext cx="4541061" cy="3357245"/>
+          </a:xfrm>
+          <a:prstGeom prst="rect">
+            <a:avLst/>
+          </a:prstGeom>
+        </p:spPr>
+        <p:txBody>
+          <a:bodyPr anchor="t" rtlCol="false" tIns="0" lIns="0" bIns="0" rIns="0">
+            <a:spAutoFit/>
+          </a:bodyPr>
+          <a:lstStyle/>
+          <a:p>
+            <a:pPr>
+              <a:lnSpc>
+                <a:spcPts val="4480"/>
+              </a:lnSpc>
+            </a:pPr>
+            <a:r>
+              <a:rPr lang="en-US" sz="3200" spc="70">
+                <a:solidFill>
+                  <a:srgbClr val="FFFFFF"/>
+                </a:solidFill>
+                <a:latin typeface="Now Bold"/>
+              </a:rPr>
+              <a:t>Con solo con unos click se puede llevar control de las versiones del código e ir subiéndolos mientras trabajas</a:t>
+            </a:r>
+          </a:p>
+        </p:txBody>
+      </p:sp>
+      <p:sp>
+        <p:nvSpPr>
+          <p:cNvPr name="TextBox 13" id="13"/>
+          <p:cNvSpPr txBox="true"/>
+          <p:nvPr/>
+        </p:nvSpPr>
+        <p:spPr>
+          <a:xfrm rot="0">
+            <a:off x="11984261" y="6115619"/>
+            <a:ext cx="4541061" cy="2233295"/>
+          </a:xfrm>
+          <a:prstGeom prst="rect">
+            <a:avLst/>
+          </a:prstGeom>
+        </p:spPr>
+        <p:txBody>
+          <a:bodyPr anchor="t" rtlCol="false" tIns="0" lIns="0" bIns="0" rIns="0">
+            <a:spAutoFit/>
+          </a:bodyPr>
+          <a:lstStyle/>
+          <a:p>
+            <a:pPr>
+              <a:lnSpc>
+                <a:spcPts val="4480"/>
+              </a:lnSpc>
+            </a:pPr>
+            <a:r>
+              <a:rPr lang="en-US" sz="3200" spc="70">
+                <a:solidFill>
+                  <a:srgbClr val="FFFFFF"/>
+                </a:solidFill>
+                <a:latin typeface="Now Bold"/>
+              </a:rPr>
+              <a:t>Fácil de instalar y configurar en cualquier computador </a:t>
+            </a:r>
+          </a:p>
+        </p:txBody>
+      </p:sp>
+    </p:spTree>
+  </p:cSld>
+  <p:clrMapOvr>
+    <a:masterClrMapping/>
+  </p:clrMapOvr>
+</p:sld>
+</file>
+
+<file path=ppt/slides/slide7.xml><?xml version="1.0" encoding="utf-8"?>
+<p:sld xmlns:p="http://schemas.openxmlformats.org/presentationml/2006/main" xmlns:a="http://schemas.openxmlformats.org/drawingml/2006/main" xmlns:r="http://schemas.openxmlformats.org/officeDocument/2006/relationships">
+  <p:cSld>
+    <p:bg>
+      <p:bgPr>
+        <a:solidFill>
+          <a:srgbClr val="1E1E1E"/>
+        </a:solidFill>
+      </p:bgPr>
+    </p:bg>
+    <p:spTree>
+      <p:nvGrpSpPr>
+        <p:cNvPr id="1" name=""/>
+        <p:cNvGrpSpPr/>
+        <p:nvPr/>
+      </p:nvGrpSpPr>
+      <p:grpSpPr>
+        <a:xfrm>
+          <a:off x="0" y="0"/>
+          <a:ext cx="0" cy="0"/>
+          <a:chOff x="0" y="0"/>
+          <a:chExt cx="0" cy="0"/>
+        </a:xfrm>
+      </p:grpSpPr>
+      <p:sp>
+        <p:nvSpPr>
+          <p:cNvPr name="Freeform 2" id="2"/>
+          <p:cNvSpPr/>
+          <p:nvPr/>
+        </p:nvSpPr>
+        <p:spPr>
+          <a:xfrm flipH="false" flipV="false" rot="0">
+            <a:off x="11525733" y="2269552"/>
+            <a:ext cx="6561545" cy="6336834"/>
+          </a:xfrm>
+          <a:custGeom>
+            <a:avLst/>
+            <a:gdLst/>
+            <a:ahLst/>
+            <a:cxnLst/>
+            <a:rect r="r" b="b" t="t" l="l"/>
+            <a:pathLst>
+              <a:path h="6336834" w="6561545">
+                <a:moveTo>
+                  <a:pt x="0" y="0"/>
+                </a:moveTo>
+                <a:lnTo>
+                  <a:pt x="6561545" y="0"/>
+                </a:lnTo>
+                <a:lnTo>
+                  <a:pt x="6561545" y="6336835"/>
+                </a:lnTo>
+                <a:lnTo>
+                  <a:pt x="0" y="6336835"/>
+                </a:lnTo>
+                <a:lnTo>
+                  <a:pt x="0" y="0"/>
+                </a:lnTo>
+                <a:close/>
+              </a:path>
+            </a:pathLst>
+          </a:custGeom>
+          <a:blipFill>
+            <a:blip r:embed="rId2"/>
+            <a:stretch>
+              <a:fillRect l="0" t="0" r="0" b="0"/>
+            </a:stretch>
+          </a:blipFill>
+        </p:spPr>
+      </p:sp>
+      <p:sp>
+        <p:nvSpPr>
+          <p:cNvPr name="Freeform 3" id="3"/>
+          <p:cNvSpPr/>
+          <p:nvPr/>
+        </p:nvSpPr>
+        <p:spPr>
+          <a:xfrm flipH="false" flipV="false" rot="9039506">
+            <a:off x="9649125" y="-5347756"/>
+            <a:ext cx="12342620" cy="10695511"/>
+          </a:xfrm>
+          <a:custGeom>
+            <a:avLst/>
+            <a:gdLst/>
+            <a:ahLst/>
+            <a:cxnLst/>
+            <a:rect r="r" b="b" t="t" l="l"/>
+            <a:pathLst>
+              <a:path h="10695511" w="12342620">
+                <a:moveTo>
+                  <a:pt x="0" y="0"/>
+                </a:moveTo>
+                <a:lnTo>
+                  <a:pt x="12342620" y="0"/>
+                </a:lnTo>
+                <a:lnTo>
+                  <a:pt x="12342620" y="10695512"/>
+                </a:lnTo>
+                <a:lnTo>
+                  <a:pt x="0" y="10695512"/>
+                </a:lnTo>
+                <a:lnTo>
+                  <a:pt x="0" y="0"/>
+                </a:lnTo>
+                <a:close/>
+              </a:path>
+            </a:pathLst>
+          </a:custGeom>
+          <a:blipFill>
+            <a:blip r:embed="rId3">
+              <a:extLst>
+                <a:ext uri="{96DAC541-7B7A-43D3-8B79-37D633B846F1}">
+                  <asvg:svgBlip xmlns:asvg="http://schemas.microsoft.com/office/drawing/2016/SVG/main" r:embed="rId4"/>
+                </a:ext>
+              </a:extLst>
+            </a:blip>
+            <a:stretch>
+              <a:fillRect l="0" t="0" r="0" b="0"/>
+            </a:stretch>
+          </a:blipFill>
+        </p:spPr>
+      </p:sp>
+      <p:sp>
+        <p:nvSpPr>
+          <p:cNvPr name="TextBox 4" id="4"/>
+          <p:cNvSpPr txBox="true"/>
+          <p:nvPr/>
+        </p:nvSpPr>
+        <p:spPr>
+          <a:xfrm rot="0">
+            <a:off x="-40574" y="3587115"/>
+            <a:ext cx="11566308" cy="2931795"/>
+          </a:xfrm>
+          <a:prstGeom prst="rect">
+            <a:avLst/>
+          </a:prstGeom>
+        </p:spPr>
+        <p:txBody>
+          <a:bodyPr anchor="t" rtlCol="false" tIns="0" lIns="0" bIns="0" rIns="0">
+            <a:spAutoFit/>
+          </a:bodyPr>
+          <a:lstStyle/>
+          <a:p>
+            <a:pPr algn="ctr">
+              <a:lnSpc>
+                <a:spcPts val="10890"/>
+              </a:lnSpc>
+              <a:spcBef>
+                <a:spcPct val="0"/>
+              </a:spcBef>
+            </a:pPr>
+            <a:r>
+              <a:rPr lang="en-US" sz="9000">
+                <a:solidFill>
+                  <a:srgbClr val="FFFFFF"/>
+                </a:solidFill>
+                <a:latin typeface="Kollektif Bold"/>
+              </a:rPr>
+              <a:t>Cómo crear un repositorio  </a:t>
+            </a:r>
+          </a:p>
+        </p:txBody>
+      </p:sp>
+    </p:spTree>
+  </p:cSld>
+  <p:clrMapOvr>
+    <a:masterClrMapping/>
+  </p:clrMapOvr>
+</p:sld>
+</file>
+
+<file path=ppt/slides/slide8.xml><?xml version="1.0" encoding="utf-8"?>
+<p:sld xmlns:p="http://schemas.openxmlformats.org/presentationml/2006/main" xmlns:a="http://schemas.openxmlformats.org/drawingml/2006/main" xmlns:r="http://schemas.openxmlformats.org/officeDocument/2006/relationships">
+  <p:cSld>
+    <p:bg>
+      <p:bgPr>
+        <a:solidFill>
+          <a:srgbClr val="1E1E1E"/>
+        </a:solidFill>
+      </p:bgPr>
+    </p:bg>
+    <p:spTree>
+      <p:nvGrpSpPr>
+        <p:cNvPr id="1" name=""/>
+        <p:cNvGrpSpPr/>
+        <p:nvPr/>
+      </p:nvGrpSpPr>
+      <p:grpSpPr>
+        <a:xfrm>
+          <a:off x="0" y="0"/>
+          <a:ext cx="0" cy="0"/>
+          <a:chOff x="0" y="0"/>
+          <a:chExt cx="0" cy="0"/>
+        </a:xfrm>
+      </p:grpSpPr>
       <p:grpSp>
         <p:nvGrpSpPr>
           <p:cNvPr name="Group 2" id="2"/>
@@ -5300,110 +9646,6 @@
         </p:nvSpPr>
         <p:spPr>
           <a:xfrm flipH="false" flipV="false" rot="0">
-            <a:off x="-2843309" y="1268486"/>
-            <a:ext cx="6873872" cy="162473"/>
-          </a:xfrm>
-          <a:custGeom>
-            <a:avLst/>
-            <a:gdLst/>
-            <a:ahLst/>
-            <a:cxnLst/>
-            <a:rect r="r" b="b" t="t" l="l"/>
-            <a:pathLst>
-              <a:path h="162473" w="6873872">
-                <a:moveTo>
-                  <a:pt x="0" y="0"/>
-                </a:moveTo>
-                <a:lnTo>
-                  <a:pt x="6873873" y="0"/>
-                </a:lnTo>
-                <a:lnTo>
-                  <a:pt x="6873873" y="162473"/>
-                </a:lnTo>
-                <a:lnTo>
-                  <a:pt x="0" y="162473"/>
-                </a:lnTo>
-                <a:lnTo>
-                  <a:pt x="0" y="0"/>
-                </a:lnTo>
-                <a:close/>
-              </a:path>
-            </a:pathLst>
-          </a:custGeom>
-          <a:blipFill>
-            <a:blip r:embed="rId6">
-              <a:extLst>
-                <a:ext uri="{96DAC541-7B7A-43D3-8B79-37D633B846F1}">
-                  <asvg:svgBlip xmlns:asvg="http://schemas.microsoft.com/office/drawing/2016/SVG/main" r:embed="rId7"/>
-                </a:ext>
-              </a:extLst>
-            </a:blip>
-            <a:stretch>
-              <a:fillRect l="0" t="0" r="0" b="0"/>
-            </a:stretch>
-          </a:blipFill>
-        </p:spPr>
-      </p:sp>
-      <p:sp>
-        <p:nvSpPr>
-          <p:cNvPr name="Freeform 10" id="10"/>
-          <p:cNvSpPr/>
-          <p:nvPr/>
-        </p:nvSpPr>
-        <p:spPr>
-          <a:xfrm flipH="false" flipV="false" rot="0">
-            <a:off x="1059746" y="760598"/>
-            <a:ext cx="300896" cy="300896"/>
-          </a:xfrm>
-          <a:custGeom>
-            <a:avLst/>
-            <a:gdLst/>
-            <a:ahLst/>
-            <a:cxnLst/>
-            <a:rect r="r" b="b" t="t" l="l"/>
-            <a:pathLst>
-              <a:path h="300896" w="300896">
-                <a:moveTo>
-                  <a:pt x="0" y="0"/>
-                </a:moveTo>
-                <a:lnTo>
-                  <a:pt x="300896" y="0"/>
-                </a:lnTo>
-                <a:lnTo>
-                  <a:pt x="300896" y="300895"/>
-                </a:lnTo>
-                <a:lnTo>
-                  <a:pt x="0" y="300895"/>
-                </a:lnTo>
-                <a:lnTo>
-                  <a:pt x="0" y="0"/>
-                </a:lnTo>
-                <a:close/>
-              </a:path>
-            </a:pathLst>
-          </a:custGeom>
-          <a:blipFill>
-            <a:blip r:embed="rId8">
-              <a:extLst>
-                <a:ext uri="{96DAC541-7B7A-43D3-8B79-37D633B846F1}">
-                  <asvg:svgBlip xmlns:asvg="http://schemas.microsoft.com/office/drawing/2016/SVG/main" r:embed="rId9"/>
-                </a:ext>
-              </a:extLst>
-            </a:blip>
-            <a:stretch>
-              <a:fillRect l="0" t="0" r="0" b="0"/>
-            </a:stretch>
-          </a:blipFill>
-        </p:spPr>
-      </p:sp>
-      <p:sp>
-        <p:nvSpPr>
-          <p:cNvPr name="Freeform 11" id="11"/>
-          <p:cNvSpPr/>
-          <p:nvPr/>
-        </p:nvSpPr>
-        <p:spPr>
-          <a:xfrm flipH="false" flipV="false" rot="0">
             <a:off x="285039" y="2698419"/>
             <a:ext cx="9369393" cy="5589695"/>
           </a:xfrm>
@@ -5435,7 +9677,7 @@
             </a:pathLst>
           </a:custGeom>
           <a:blipFill>
-            <a:blip r:embed="rId10"/>
+            <a:blip r:embed="rId6"/>
             <a:stretch>
               <a:fillRect l="0" t="0" r="0" b="0"/>
             </a:stretch>
@@ -5444,13 +9686,13 @@
       </p:sp>
       <p:sp>
         <p:nvSpPr>
-          <p:cNvPr name="TextBox 12" id="12"/>
+          <p:cNvPr name="TextBox 10" id="10"/>
           <p:cNvSpPr txBox="true"/>
           <p:nvPr/>
         </p:nvSpPr>
         <p:spPr>
           <a:xfrm rot="0">
-            <a:off x="593628" y="1497634"/>
+            <a:off x="1028700" y="885825"/>
             <a:ext cx="7856167" cy="1200785"/>
           </a:xfrm>
           <a:prstGeom prst="rect">
@@ -5482,7 +9724,7 @@
       </p:sp>
       <p:sp>
         <p:nvSpPr>
-          <p:cNvPr name="TextBox 13" id="13"/>
+          <p:cNvPr name="TextBox 11" id="11"/>
           <p:cNvSpPr txBox="true"/>
           <p:nvPr/>
         </p:nvSpPr>
@@ -5527,7 +9769,7 @@
       </p:sp>
       <p:sp>
         <p:nvSpPr>
-          <p:cNvPr name="TextBox 14" id="14"/>
+          <p:cNvPr name="TextBox 12" id="12"/>
           <p:cNvSpPr txBox="true"/>
           <p:nvPr/>
         </p:nvSpPr>
@@ -5568,7 +9810,7 @@
       </p:sp>
       <p:sp>
         <p:nvSpPr>
-          <p:cNvPr name="TextBox 15" id="15"/>
+          <p:cNvPr name="TextBox 13" id="13"/>
           <p:cNvSpPr txBox="true"/>
           <p:nvPr/>
         </p:nvSpPr>
@@ -5607,7 +9849,7 @@
                   <a:srgbClr val="1E1E1E"/>
                 </a:solidFill>
                 <a:latin typeface="Now Bold"/>
-                <a:hlinkClick r:id="rId11" tooltip="https://github.com/"/>
+                <a:hlinkClick r:id="rId7" tooltip="https://github.com/"/>
               </a:rPr>
               <a:t>GitHub</a:t>
             </a:r>
@@ -5625,7 +9867,7 @@
       </p:sp>
       <p:sp>
         <p:nvSpPr>
-          <p:cNvPr name="TextBox 16" id="16"/>
+          <p:cNvPr name="TextBox 14" id="14"/>
           <p:cNvSpPr txBox="true"/>
           <p:nvPr/>
         </p:nvSpPr>
@@ -5666,7 +9908,7 @@
       </p:sp>
       <p:sp>
         <p:nvSpPr>
-          <p:cNvPr name="TextBox 17" id="17"/>
+          <p:cNvPr name="TextBox 15" id="15"/>
           <p:cNvSpPr txBox="true"/>
           <p:nvPr/>
         </p:nvSpPr>
@@ -5704,7 +9946,7 @@
       </p:sp>
       <p:sp>
         <p:nvSpPr>
-          <p:cNvPr name="TextBox 18" id="18"/>
+          <p:cNvPr name="TextBox 16" id="16"/>
           <p:cNvSpPr txBox="true"/>
           <p:nvPr/>
         </p:nvSpPr>
@@ -5751,7 +9993,7 @@
 </p:sld>
 </file>
 
-<file path=ppt/slides/slide5.xml><?xml version="1.0" encoding="utf-8"?>
+<file path=ppt/slides/slide9.xml><?xml version="1.0" encoding="utf-8"?>
 <p:sld xmlns:p="http://schemas.openxmlformats.org/presentationml/2006/main" xmlns:a="http://schemas.openxmlformats.org/drawingml/2006/main" xmlns:r="http://schemas.openxmlformats.org/officeDocument/2006/relationships">
   <p:cSld>
     <p:bg>
@@ -6486,1140 +10728,6 @@
                 <a:latin typeface="Now Bold"/>
               </a:rPr>
               <a:t>03</a:t>
-            </a:r>
-          </a:p>
-        </p:txBody>
-      </p:sp>
-    </p:spTree>
-  </p:cSld>
-  <p:clrMapOvr>
-    <a:masterClrMapping/>
-  </p:clrMapOvr>
-</p:sld>
-</file>
-
-<file path=ppt/slides/slide6.xml><?xml version="1.0" encoding="utf-8"?>
-<p:sld xmlns:p="http://schemas.openxmlformats.org/presentationml/2006/main" xmlns:a="http://schemas.openxmlformats.org/drawingml/2006/main" xmlns:r="http://schemas.openxmlformats.org/officeDocument/2006/relationships">
-  <p:cSld>
-    <p:bg>
-      <p:bgPr>
-        <a:solidFill>
-          <a:srgbClr val="1E1E1E"/>
-        </a:solidFill>
-      </p:bgPr>
-    </p:bg>
-    <p:spTree>
-      <p:nvGrpSpPr>
-        <p:cNvPr id="1" name=""/>
-        <p:cNvGrpSpPr/>
-        <p:nvPr/>
-      </p:nvGrpSpPr>
-      <p:grpSpPr>
-        <a:xfrm>
-          <a:off x="0" y="0"/>
-          <a:ext cx="0" cy="0"/>
-          <a:chOff x="0" y="0"/>
-          <a:chExt cx="0" cy="0"/>
-        </a:xfrm>
-      </p:grpSpPr>
-      <p:sp>
-        <p:nvSpPr>
-          <p:cNvPr name="Freeform 2" id="2"/>
-          <p:cNvSpPr/>
-          <p:nvPr/>
-        </p:nvSpPr>
-        <p:spPr>
-          <a:xfrm flipH="false" flipV="false" rot="0">
-            <a:off x="17192315" y="612415"/>
-            <a:ext cx="559181" cy="296366"/>
-          </a:xfrm>
-          <a:custGeom>
-            <a:avLst/>
-            <a:gdLst/>
-            <a:ahLst/>
-            <a:cxnLst/>
-            <a:rect r="r" b="b" t="t" l="l"/>
-            <a:pathLst>
-              <a:path h="296366" w="559181">
-                <a:moveTo>
-                  <a:pt x="0" y="0"/>
-                </a:moveTo>
-                <a:lnTo>
-                  <a:pt x="559182" y="0"/>
-                </a:lnTo>
-                <a:lnTo>
-                  <a:pt x="559182" y="296366"/>
-                </a:lnTo>
-                <a:lnTo>
-                  <a:pt x="0" y="296366"/>
-                </a:lnTo>
-                <a:lnTo>
-                  <a:pt x="0" y="0"/>
-                </a:lnTo>
-                <a:close/>
-              </a:path>
-            </a:pathLst>
-          </a:custGeom>
-          <a:blipFill>
-            <a:blip r:embed="rId2">
-              <a:extLst>
-                <a:ext uri="{96DAC541-7B7A-43D3-8B79-37D633B846F1}">
-                  <asvg:svgBlip xmlns:asvg="http://schemas.microsoft.com/office/drawing/2016/SVG/main" r:embed="rId3"/>
-                </a:ext>
-              </a:extLst>
-            </a:blip>
-            <a:stretch>
-              <a:fillRect l="0" t="0" r="0" b="0"/>
-            </a:stretch>
-          </a:blipFill>
-        </p:spPr>
-      </p:sp>
-      <p:sp>
-        <p:nvSpPr>
-          <p:cNvPr name="Freeform 3" id="3"/>
-          <p:cNvSpPr/>
-          <p:nvPr/>
-        </p:nvSpPr>
-        <p:spPr>
-          <a:xfrm flipH="false" flipV="false" rot="0">
-            <a:off x="-2843309" y="1268486"/>
-            <a:ext cx="6873872" cy="162473"/>
-          </a:xfrm>
-          <a:custGeom>
-            <a:avLst/>
-            <a:gdLst/>
-            <a:ahLst/>
-            <a:cxnLst/>
-            <a:rect r="r" b="b" t="t" l="l"/>
-            <a:pathLst>
-              <a:path h="162473" w="6873872">
-                <a:moveTo>
-                  <a:pt x="0" y="0"/>
-                </a:moveTo>
-                <a:lnTo>
-                  <a:pt x="6873873" y="0"/>
-                </a:lnTo>
-                <a:lnTo>
-                  <a:pt x="6873873" y="162473"/>
-                </a:lnTo>
-                <a:lnTo>
-                  <a:pt x="0" y="162473"/>
-                </a:lnTo>
-                <a:lnTo>
-                  <a:pt x="0" y="0"/>
-                </a:lnTo>
-                <a:close/>
-              </a:path>
-            </a:pathLst>
-          </a:custGeom>
-          <a:blipFill>
-            <a:blip r:embed="rId4">
-              <a:extLst>
-                <a:ext uri="{96DAC541-7B7A-43D3-8B79-37D633B846F1}">
-                  <asvg:svgBlip xmlns:asvg="http://schemas.microsoft.com/office/drawing/2016/SVG/main" r:embed="rId5"/>
-                </a:ext>
-              </a:extLst>
-            </a:blip>
-            <a:stretch>
-              <a:fillRect l="0" t="0" r="0" b="0"/>
-            </a:stretch>
-          </a:blipFill>
-        </p:spPr>
-      </p:sp>
-      <p:sp>
-        <p:nvSpPr>
-          <p:cNvPr name="Freeform 4" id="4"/>
-          <p:cNvSpPr/>
-          <p:nvPr/>
-        </p:nvSpPr>
-        <p:spPr>
-          <a:xfrm flipH="false" flipV="false" rot="0">
-            <a:off x="1059746" y="760598"/>
-            <a:ext cx="300896" cy="300896"/>
-          </a:xfrm>
-          <a:custGeom>
-            <a:avLst/>
-            <a:gdLst/>
-            <a:ahLst/>
-            <a:cxnLst/>
-            <a:rect r="r" b="b" t="t" l="l"/>
-            <a:pathLst>
-              <a:path h="300896" w="300896">
-                <a:moveTo>
-                  <a:pt x="0" y="0"/>
-                </a:moveTo>
-                <a:lnTo>
-                  <a:pt x="300896" y="0"/>
-                </a:lnTo>
-                <a:lnTo>
-                  <a:pt x="300896" y="300895"/>
-                </a:lnTo>
-                <a:lnTo>
-                  <a:pt x="0" y="300895"/>
-                </a:lnTo>
-                <a:lnTo>
-                  <a:pt x="0" y="0"/>
-                </a:lnTo>
-                <a:close/>
-              </a:path>
-            </a:pathLst>
-          </a:custGeom>
-          <a:blipFill>
-            <a:blip r:embed="rId6">
-              <a:extLst>
-                <a:ext uri="{96DAC541-7B7A-43D3-8B79-37D633B846F1}">
-                  <asvg:svgBlip xmlns:asvg="http://schemas.microsoft.com/office/drawing/2016/SVG/main" r:embed="rId7"/>
-                </a:ext>
-              </a:extLst>
-            </a:blip>
-            <a:stretch>
-              <a:fillRect l="0" t="0" r="0" b="0"/>
-            </a:stretch>
-          </a:blipFill>
-        </p:spPr>
-      </p:sp>
-      <p:sp>
-        <p:nvSpPr>
-          <p:cNvPr name="Freeform 5" id="5"/>
-          <p:cNvSpPr/>
-          <p:nvPr/>
-        </p:nvSpPr>
-        <p:spPr>
-          <a:xfrm flipH="false" flipV="false" rot="0">
-            <a:off x="359452" y="2766063"/>
-            <a:ext cx="8610046" cy="6827039"/>
-          </a:xfrm>
-          <a:custGeom>
-            <a:avLst/>
-            <a:gdLst/>
-            <a:ahLst/>
-            <a:cxnLst/>
-            <a:rect r="r" b="b" t="t" l="l"/>
-            <a:pathLst>
-              <a:path h="6827039" w="8610046">
-                <a:moveTo>
-                  <a:pt x="0" y="0"/>
-                </a:moveTo>
-                <a:lnTo>
-                  <a:pt x="8610046" y="0"/>
-                </a:lnTo>
-                <a:lnTo>
-                  <a:pt x="8610046" y="6827039"/>
-                </a:lnTo>
-                <a:lnTo>
-                  <a:pt x="0" y="6827039"/>
-                </a:lnTo>
-                <a:lnTo>
-                  <a:pt x="0" y="0"/>
-                </a:lnTo>
-                <a:close/>
-              </a:path>
-            </a:pathLst>
-          </a:custGeom>
-          <a:blipFill>
-            <a:blip r:embed="rId8"/>
-            <a:stretch>
-              <a:fillRect l="0" t="0" r="0" b="0"/>
-            </a:stretch>
-          </a:blipFill>
-        </p:spPr>
-      </p:sp>
-      <p:sp>
-        <p:nvSpPr>
-          <p:cNvPr name="Freeform 6" id="6"/>
-          <p:cNvSpPr/>
-          <p:nvPr/>
-        </p:nvSpPr>
-        <p:spPr>
-          <a:xfrm flipH="false" flipV="false" rot="0">
-            <a:off x="9653195" y="3000238"/>
-            <a:ext cx="8214820" cy="5934622"/>
-          </a:xfrm>
-          <a:custGeom>
-            <a:avLst/>
-            <a:gdLst/>
-            <a:ahLst/>
-            <a:cxnLst/>
-            <a:rect r="r" b="b" t="t" l="l"/>
-            <a:pathLst>
-              <a:path h="5934622" w="8214820">
-                <a:moveTo>
-                  <a:pt x="0" y="0"/>
-                </a:moveTo>
-                <a:lnTo>
-                  <a:pt x="8214820" y="0"/>
-                </a:lnTo>
-                <a:lnTo>
-                  <a:pt x="8214820" y="5934623"/>
-                </a:lnTo>
-                <a:lnTo>
-                  <a:pt x="0" y="5934623"/>
-                </a:lnTo>
-                <a:lnTo>
-                  <a:pt x="0" y="0"/>
-                </a:lnTo>
-                <a:close/>
-              </a:path>
-            </a:pathLst>
-          </a:custGeom>
-          <a:blipFill>
-            <a:blip r:embed="rId9"/>
-            <a:stretch>
-              <a:fillRect l="0" t="0" r="0" b="0"/>
-            </a:stretch>
-          </a:blipFill>
-        </p:spPr>
-      </p:sp>
-      <p:sp>
-        <p:nvSpPr>
-          <p:cNvPr name="TextBox 7" id="7"/>
-          <p:cNvSpPr txBox="true"/>
-          <p:nvPr/>
-        </p:nvSpPr>
-        <p:spPr>
-          <a:xfrm rot="0">
-            <a:off x="4283973" y="144492"/>
-            <a:ext cx="7856167" cy="2267585"/>
-          </a:xfrm>
-          <a:prstGeom prst="rect">
-            <a:avLst/>
-          </a:prstGeom>
-        </p:spPr>
-        <p:txBody>
-          <a:bodyPr anchor="t" rtlCol="false" tIns="0" lIns="0" bIns="0" rIns="0">
-            <a:spAutoFit/>
-          </a:bodyPr>
-          <a:lstStyle/>
-          <a:p>
-            <a:pPr>
-              <a:lnSpc>
-                <a:spcPts val="8469"/>
-              </a:lnSpc>
-            </a:pPr>
-            <a:r>
-              <a:rPr lang="en-US" sz="6999">
-                <a:solidFill>
-                  <a:srgbClr val="FFFFFF"/>
-                </a:solidFill>
-                <a:latin typeface="Kollektif Bold"/>
-              </a:rPr>
-              <a:t>Paso 3, crear un nuevo repositorio </a:t>
-            </a:r>
-          </a:p>
-        </p:txBody>
-      </p:sp>
-    </p:spTree>
-  </p:cSld>
-  <p:clrMapOvr>
-    <a:masterClrMapping/>
-  </p:clrMapOvr>
-</p:sld>
-</file>
-
-<file path=ppt/slides/slide7.xml><?xml version="1.0" encoding="utf-8"?>
-<p:sld xmlns:p="http://schemas.openxmlformats.org/presentationml/2006/main" xmlns:a="http://schemas.openxmlformats.org/drawingml/2006/main" xmlns:r="http://schemas.openxmlformats.org/officeDocument/2006/relationships">
-  <p:cSld>
-    <p:bg>
-      <p:bgPr>
-        <a:solidFill>
-          <a:srgbClr val="1E1E1E"/>
-        </a:solidFill>
-      </p:bgPr>
-    </p:bg>
-    <p:spTree>
-      <p:nvGrpSpPr>
-        <p:cNvPr id="1" name=""/>
-        <p:cNvGrpSpPr/>
-        <p:nvPr/>
-      </p:nvGrpSpPr>
-      <p:grpSpPr>
-        <a:xfrm>
-          <a:off x="0" y="0"/>
-          <a:ext cx="0" cy="0"/>
-          <a:chOff x="0" y="0"/>
-          <a:chExt cx="0" cy="0"/>
-        </a:xfrm>
-      </p:grpSpPr>
-      <p:sp>
-        <p:nvSpPr>
-          <p:cNvPr name="Freeform 2" id="2"/>
-          <p:cNvSpPr/>
-          <p:nvPr/>
-        </p:nvSpPr>
-        <p:spPr>
-          <a:xfrm flipH="false" flipV="false" rot="0">
-            <a:off x="17192315" y="612415"/>
-            <a:ext cx="559181" cy="296366"/>
-          </a:xfrm>
-          <a:custGeom>
-            <a:avLst/>
-            <a:gdLst/>
-            <a:ahLst/>
-            <a:cxnLst/>
-            <a:rect r="r" b="b" t="t" l="l"/>
-            <a:pathLst>
-              <a:path h="296366" w="559181">
-                <a:moveTo>
-                  <a:pt x="0" y="0"/>
-                </a:moveTo>
-                <a:lnTo>
-                  <a:pt x="559182" y="0"/>
-                </a:lnTo>
-                <a:lnTo>
-                  <a:pt x="559182" y="296366"/>
-                </a:lnTo>
-                <a:lnTo>
-                  <a:pt x="0" y="296366"/>
-                </a:lnTo>
-                <a:lnTo>
-                  <a:pt x="0" y="0"/>
-                </a:lnTo>
-                <a:close/>
-              </a:path>
-            </a:pathLst>
-          </a:custGeom>
-          <a:blipFill>
-            <a:blip r:embed="rId2">
-              <a:extLst>
-                <a:ext uri="{96DAC541-7B7A-43D3-8B79-37D633B846F1}">
-                  <asvg:svgBlip xmlns:asvg="http://schemas.microsoft.com/office/drawing/2016/SVG/main" r:embed="rId3"/>
-                </a:ext>
-              </a:extLst>
-            </a:blip>
-            <a:stretch>
-              <a:fillRect l="0" t="0" r="0" b="0"/>
-            </a:stretch>
-          </a:blipFill>
-        </p:spPr>
-      </p:sp>
-      <p:sp>
-        <p:nvSpPr>
-          <p:cNvPr name="Freeform 3" id="3"/>
-          <p:cNvSpPr/>
-          <p:nvPr/>
-        </p:nvSpPr>
-        <p:spPr>
-          <a:xfrm flipH="false" flipV="false" rot="0">
-            <a:off x="-2843309" y="1268486"/>
-            <a:ext cx="6873872" cy="162473"/>
-          </a:xfrm>
-          <a:custGeom>
-            <a:avLst/>
-            <a:gdLst/>
-            <a:ahLst/>
-            <a:cxnLst/>
-            <a:rect r="r" b="b" t="t" l="l"/>
-            <a:pathLst>
-              <a:path h="162473" w="6873872">
-                <a:moveTo>
-                  <a:pt x="0" y="0"/>
-                </a:moveTo>
-                <a:lnTo>
-                  <a:pt x="6873873" y="0"/>
-                </a:lnTo>
-                <a:lnTo>
-                  <a:pt x="6873873" y="162473"/>
-                </a:lnTo>
-                <a:lnTo>
-                  <a:pt x="0" y="162473"/>
-                </a:lnTo>
-                <a:lnTo>
-                  <a:pt x="0" y="0"/>
-                </a:lnTo>
-                <a:close/>
-              </a:path>
-            </a:pathLst>
-          </a:custGeom>
-          <a:blipFill>
-            <a:blip r:embed="rId4">
-              <a:extLst>
-                <a:ext uri="{96DAC541-7B7A-43D3-8B79-37D633B846F1}">
-                  <asvg:svgBlip xmlns:asvg="http://schemas.microsoft.com/office/drawing/2016/SVG/main" r:embed="rId5"/>
-                </a:ext>
-              </a:extLst>
-            </a:blip>
-            <a:stretch>
-              <a:fillRect l="0" t="0" r="0" b="0"/>
-            </a:stretch>
-          </a:blipFill>
-        </p:spPr>
-      </p:sp>
-      <p:sp>
-        <p:nvSpPr>
-          <p:cNvPr name="Freeform 4" id="4"/>
-          <p:cNvSpPr/>
-          <p:nvPr/>
-        </p:nvSpPr>
-        <p:spPr>
-          <a:xfrm flipH="false" flipV="false" rot="0">
-            <a:off x="1059746" y="760598"/>
-            <a:ext cx="300896" cy="300896"/>
-          </a:xfrm>
-          <a:custGeom>
-            <a:avLst/>
-            <a:gdLst/>
-            <a:ahLst/>
-            <a:cxnLst/>
-            <a:rect r="r" b="b" t="t" l="l"/>
-            <a:pathLst>
-              <a:path h="300896" w="300896">
-                <a:moveTo>
-                  <a:pt x="0" y="0"/>
-                </a:moveTo>
-                <a:lnTo>
-                  <a:pt x="300896" y="0"/>
-                </a:lnTo>
-                <a:lnTo>
-                  <a:pt x="300896" y="300895"/>
-                </a:lnTo>
-                <a:lnTo>
-                  <a:pt x="0" y="300895"/>
-                </a:lnTo>
-                <a:lnTo>
-                  <a:pt x="0" y="0"/>
-                </a:lnTo>
-                <a:close/>
-              </a:path>
-            </a:pathLst>
-          </a:custGeom>
-          <a:blipFill>
-            <a:blip r:embed="rId6">
-              <a:extLst>
-                <a:ext uri="{96DAC541-7B7A-43D3-8B79-37D633B846F1}">
-                  <asvg:svgBlip xmlns:asvg="http://schemas.microsoft.com/office/drawing/2016/SVG/main" r:embed="rId7"/>
-                </a:ext>
-              </a:extLst>
-            </a:blip>
-            <a:stretch>
-              <a:fillRect l="0" t="0" r="0" b="0"/>
-            </a:stretch>
-          </a:blipFill>
-        </p:spPr>
-      </p:sp>
-      <p:sp>
-        <p:nvSpPr>
-          <p:cNvPr name="Freeform 5" id="5"/>
-          <p:cNvSpPr/>
-          <p:nvPr/>
-        </p:nvSpPr>
-        <p:spPr>
-          <a:xfrm flipH="false" flipV="false" rot="0">
-            <a:off x="3038474" y="1837812"/>
-            <a:ext cx="12772557" cy="7758649"/>
-          </a:xfrm>
-          <a:custGeom>
-            <a:avLst/>
-            <a:gdLst/>
-            <a:ahLst/>
-            <a:cxnLst/>
-            <a:rect r="r" b="b" t="t" l="l"/>
-            <a:pathLst>
-              <a:path h="7758649" w="12772557">
-                <a:moveTo>
-                  <a:pt x="0" y="0"/>
-                </a:moveTo>
-                <a:lnTo>
-                  <a:pt x="12772556" y="0"/>
-                </a:lnTo>
-                <a:lnTo>
-                  <a:pt x="12772556" y="7758649"/>
-                </a:lnTo>
-                <a:lnTo>
-                  <a:pt x="0" y="7758649"/>
-                </a:lnTo>
-                <a:lnTo>
-                  <a:pt x="0" y="0"/>
-                </a:lnTo>
-                <a:close/>
-              </a:path>
-            </a:pathLst>
-          </a:custGeom>
-          <a:blipFill>
-            <a:blip r:embed="rId8"/>
-            <a:stretch>
-              <a:fillRect l="0" t="0" r="0" b="0"/>
-            </a:stretch>
-          </a:blipFill>
-        </p:spPr>
-      </p:sp>
-      <p:sp>
-        <p:nvSpPr>
-          <p:cNvPr name="TextBox 6" id="6"/>
-          <p:cNvSpPr txBox="true"/>
-          <p:nvPr/>
-        </p:nvSpPr>
-        <p:spPr>
-          <a:xfrm rot="0">
-            <a:off x="4283973" y="144492"/>
-            <a:ext cx="10281557" cy="1200785"/>
-          </a:xfrm>
-          <a:prstGeom prst="rect">
-            <a:avLst/>
-          </a:prstGeom>
-        </p:spPr>
-        <p:txBody>
-          <a:bodyPr anchor="t" rtlCol="false" tIns="0" lIns="0" bIns="0" rIns="0">
-            <a:spAutoFit/>
-          </a:bodyPr>
-          <a:lstStyle/>
-          <a:p>
-            <a:pPr>
-              <a:lnSpc>
-                <a:spcPts val="8469"/>
-              </a:lnSpc>
-            </a:pPr>
-            <a:r>
-              <a:rPr lang="en-US" sz="6999">
-                <a:solidFill>
-                  <a:srgbClr val="FFFFFF"/>
-                </a:solidFill>
-                <a:latin typeface="Kollektif Bold"/>
-              </a:rPr>
-              <a:t>Paso 4, publicar cambios</a:t>
-            </a:r>
-          </a:p>
-        </p:txBody>
-      </p:sp>
-    </p:spTree>
-  </p:cSld>
-  <p:clrMapOvr>
-    <a:masterClrMapping/>
-  </p:clrMapOvr>
-</p:sld>
-</file>
-
-<file path=ppt/slides/slide8.xml><?xml version="1.0" encoding="utf-8"?>
-<p:sld xmlns:p="http://schemas.openxmlformats.org/presentationml/2006/main" xmlns:a="http://schemas.openxmlformats.org/drawingml/2006/main" xmlns:r="http://schemas.openxmlformats.org/officeDocument/2006/relationships">
-  <p:cSld>
-    <p:bg>
-      <p:bgPr>
-        <a:solidFill>
-          <a:srgbClr val="1E1E1E"/>
-        </a:solidFill>
-      </p:bgPr>
-    </p:bg>
-    <p:spTree>
-      <p:nvGrpSpPr>
-        <p:cNvPr id="1" name=""/>
-        <p:cNvGrpSpPr/>
-        <p:nvPr/>
-      </p:nvGrpSpPr>
-      <p:grpSpPr>
-        <a:xfrm>
-          <a:off x="0" y="0"/>
-          <a:ext cx="0" cy="0"/>
-          <a:chOff x="0" y="0"/>
-          <a:chExt cx="0" cy="0"/>
-        </a:xfrm>
-      </p:grpSpPr>
-      <p:sp>
-        <p:nvSpPr>
-          <p:cNvPr name="Freeform 2" id="2"/>
-          <p:cNvSpPr/>
-          <p:nvPr/>
-        </p:nvSpPr>
-        <p:spPr>
-          <a:xfrm flipH="false" flipV="false" rot="0">
-            <a:off x="17192315" y="612415"/>
-            <a:ext cx="559181" cy="296366"/>
-          </a:xfrm>
-          <a:custGeom>
-            <a:avLst/>
-            <a:gdLst/>
-            <a:ahLst/>
-            <a:cxnLst/>
-            <a:rect r="r" b="b" t="t" l="l"/>
-            <a:pathLst>
-              <a:path h="296366" w="559181">
-                <a:moveTo>
-                  <a:pt x="0" y="0"/>
-                </a:moveTo>
-                <a:lnTo>
-                  <a:pt x="559182" y="0"/>
-                </a:lnTo>
-                <a:lnTo>
-                  <a:pt x="559182" y="296366"/>
-                </a:lnTo>
-                <a:lnTo>
-                  <a:pt x="0" y="296366"/>
-                </a:lnTo>
-                <a:lnTo>
-                  <a:pt x="0" y="0"/>
-                </a:lnTo>
-                <a:close/>
-              </a:path>
-            </a:pathLst>
-          </a:custGeom>
-          <a:blipFill>
-            <a:blip r:embed="rId2">
-              <a:extLst>
-                <a:ext uri="{96DAC541-7B7A-43D3-8B79-37D633B846F1}">
-                  <asvg:svgBlip xmlns:asvg="http://schemas.microsoft.com/office/drawing/2016/SVG/main" r:embed="rId3"/>
-                </a:ext>
-              </a:extLst>
-            </a:blip>
-            <a:stretch>
-              <a:fillRect l="0" t="0" r="0" b="0"/>
-            </a:stretch>
-          </a:blipFill>
-        </p:spPr>
-      </p:sp>
-      <p:sp>
-        <p:nvSpPr>
-          <p:cNvPr name="Freeform 3" id="3"/>
-          <p:cNvSpPr/>
-          <p:nvPr/>
-        </p:nvSpPr>
-        <p:spPr>
-          <a:xfrm flipH="false" flipV="false" rot="0">
-            <a:off x="-2843309" y="1268486"/>
-            <a:ext cx="6873872" cy="162473"/>
-          </a:xfrm>
-          <a:custGeom>
-            <a:avLst/>
-            <a:gdLst/>
-            <a:ahLst/>
-            <a:cxnLst/>
-            <a:rect r="r" b="b" t="t" l="l"/>
-            <a:pathLst>
-              <a:path h="162473" w="6873872">
-                <a:moveTo>
-                  <a:pt x="0" y="0"/>
-                </a:moveTo>
-                <a:lnTo>
-                  <a:pt x="6873873" y="0"/>
-                </a:lnTo>
-                <a:lnTo>
-                  <a:pt x="6873873" y="162473"/>
-                </a:lnTo>
-                <a:lnTo>
-                  <a:pt x="0" y="162473"/>
-                </a:lnTo>
-                <a:lnTo>
-                  <a:pt x="0" y="0"/>
-                </a:lnTo>
-                <a:close/>
-              </a:path>
-            </a:pathLst>
-          </a:custGeom>
-          <a:blipFill>
-            <a:blip r:embed="rId4">
-              <a:extLst>
-                <a:ext uri="{96DAC541-7B7A-43D3-8B79-37D633B846F1}">
-                  <asvg:svgBlip xmlns:asvg="http://schemas.microsoft.com/office/drawing/2016/SVG/main" r:embed="rId5"/>
-                </a:ext>
-              </a:extLst>
-            </a:blip>
-            <a:stretch>
-              <a:fillRect l="0" t="0" r="0" b="0"/>
-            </a:stretch>
-          </a:blipFill>
-        </p:spPr>
-      </p:sp>
-      <p:sp>
-        <p:nvSpPr>
-          <p:cNvPr name="Freeform 4" id="4"/>
-          <p:cNvSpPr/>
-          <p:nvPr/>
-        </p:nvSpPr>
-        <p:spPr>
-          <a:xfrm flipH="false" flipV="false" rot="0">
-            <a:off x="1059746" y="760598"/>
-            <a:ext cx="300896" cy="300896"/>
-          </a:xfrm>
-          <a:custGeom>
-            <a:avLst/>
-            <a:gdLst/>
-            <a:ahLst/>
-            <a:cxnLst/>
-            <a:rect r="r" b="b" t="t" l="l"/>
-            <a:pathLst>
-              <a:path h="300896" w="300896">
-                <a:moveTo>
-                  <a:pt x="0" y="0"/>
-                </a:moveTo>
-                <a:lnTo>
-                  <a:pt x="300896" y="0"/>
-                </a:lnTo>
-                <a:lnTo>
-                  <a:pt x="300896" y="300895"/>
-                </a:lnTo>
-                <a:lnTo>
-                  <a:pt x="0" y="300895"/>
-                </a:lnTo>
-                <a:lnTo>
-                  <a:pt x="0" y="0"/>
-                </a:lnTo>
-                <a:close/>
-              </a:path>
-            </a:pathLst>
-          </a:custGeom>
-          <a:blipFill>
-            <a:blip r:embed="rId6">
-              <a:extLst>
-                <a:ext uri="{96DAC541-7B7A-43D3-8B79-37D633B846F1}">
-                  <asvg:svgBlip xmlns:asvg="http://schemas.microsoft.com/office/drawing/2016/SVG/main" r:embed="rId7"/>
-                </a:ext>
-              </a:extLst>
-            </a:blip>
-            <a:stretch>
-              <a:fillRect l="0" t="0" r="0" b="0"/>
-            </a:stretch>
-          </a:blipFill>
-        </p:spPr>
-      </p:sp>
-      <p:sp>
-        <p:nvSpPr>
-          <p:cNvPr name="Freeform 5" id="5"/>
-          <p:cNvSpPr/>
-          <p:nvPr/>
-        </p:nvSpPr>
-        <p:spPr>
-          <a:xfrm flipH="false" flipV="false" rot="0">
-            <a:off x="3310444" y="2412077"/>
-            <a:ext cx="11667112" cy="7335529"/>
-          </a:xfrm>
-          <a:custGeom>
-            <a:avLst/>
-            <a:gdLst/>
-            <a:ahLst/>
-            <a:cxnLst/>
-            <a:rect r="r" b="b" t="t" l="l"/>
-            <a:pathLst>
-              <a:path h="7335529" w="11667112">
-                <a:moveTo>
-                  <a:pt x="0" y="0"/>
-                </a:moveTo>
-                <a:lnTo>
-                  <a:pt x="11667112" y="0"/>
-                </a:lnTo>
-                <a:lnTo>
-                  <a:pt x="11667112" y="7335530"/>
-                </a:lnTo>
-                <a:lnTo>
-                  <a:pt x="0" y="7335530"/>
-                </a:lnTo>
-                <a:lnTo>
-                  <a:pt x="0" y="0"/>
-                </a:lnTo>
-                <a:close/>
-              </a:path>
-            </a:pathLst>
-          </a:custGeom>
-          <a:blipFill>
-            <a:blip r:embed="rId8"/>
-            <a:stretch>
-              <a:fillRect l="0" t="0" r="0" b="0"/>
-            </a:stretch>
-          </a:blipFill>
-        </p:spPr>
-      </p:sp>
-      <p:sp>
-        <p:nvSpPr>
-          <p:cNvPr name="TextBox 6" id="6"/>
-          <p:cNvSpPr txBox="true"/>
-          <p:nvPr/>
-        </p:nvSpPr>
-        <p:spPr>
-          <a:xfrm rot="0">
-            <a:off x="4283973" y="144492"/>
-            <a:ext cx="10281557" cy="2267585"/>
-          </a:xfrm>
-          <a:prstGeom prst="rect">
-            <a:avLst/>
-          </a:prstGeom>
-        </p:spPr>
-        <p:txBody>
-          <a:bodyPr anchor="t" rtlCol="false" tIns="0" lIns="0" bIns="0" rIns="0">
-            <a:spAutoFit/>
-          </a:bodyPr>
-          <a:lstStyle/>
-          <a:p>
-            <a:pPr>
-              <a:lnSpc>
-                <a:spcPts val="8469"/>
-              </a:lnSpc>
-            </a:pPr>
-            <a:r>
-              <a:rPr lang="en-US" sz="6999">
-                <a:solidFill>
-                  <a:srgbClr val="FFFFFF"/>
-                </a:solidFill>
-                <a:latin typeface="Kollektif Bold"/>
-              </a:rPr>
-              <a:t>Paso 5, realizar cambios en el código </a:t>
-            </a:r>
-          </a:p>
-        </p:txBody>
-      </p:sp>
-    </p:spTree>
-  </p:cSld>
-  <p:clrMapOvr>
-    <a:masterClrMapping/>
-  </p:clrMapOvr>
-</p:sld>
-</file>
-
-<file path=ppt/slides/slide9.xml><?xml version="1.0" encoding="utf-8"?>
-<p:sld xmlns:p="http://schemas.openxmlformats.org/presentationml/2006/main" xmlns:a="http://schemas.openxmlformats.org/drawingml/2006/main" xmlns:r="http://schemas.openxmlformats.org/officeDocument/2006/relationships">
-  <p:cSld>
-    <p:bg>
-      <p:bgPr>
-        <a:solidFill>
-          <a:srgbClr val="1E1E1E"/>
-        </a:solidFill>
-      </p:bgPr>
-    </p:bg>
-    <p:spTree>
-      <p:nvGrpSpPr>
-        <p:cNvPr id="1" name=""/>
-        <p:cNvGrpSpPr/>
-        <p:nvPr/>
-      </p:nvGrpSpPr>
-      <p:grpSpPr>
-        <a:xfrm>
-          <a:off x="0" y="0"/>
-          <a:ext cx="0" cy="0"/>
-          <a:chOff x="0" y="0"/>
-          <a:chExt cx="0" cy="0"/>
-        </a:xfrm>
-      </p:grpSpPr>
-      <p:sp>
-        <p:nvSpPr>
-          <p:cNvPr name="Freeform 2" id="2"/>
-          <p:cNvSpPr/>
-          <p:nvPr/>
-        </p:nvSpPr>
-        <p:spPr>
-          <a:xfrm flipH="false" flipV="false" rot="0">
-            <a:off x="17192315" y="612415"/>
-            <a:ext cx="559181" cy="296366"/>
-          </a:xfrm>
-          <a:custGeom>
-            <a:avLst/>
-            <a:gdLst/>
-            <a:ahLst/>
-            <a:cxnLst/>
-            <a:rect r="r" b="b" t="t" l="l"/>
-            <a:pathLst>
-              <a:path h="296366" w="559181">
-                <a:moveTo>
-                  <a:pt x="0" y="0"/>
-                </a:moveTo>
-                <a:lnTo>
-                  <a:pt x="559182" y="0"/>
-                </a:lnTo>
-                <a:lnTo>
-                  <a:pt x="559182" y="296366"/>
-                </a:lnTo>
-                <a:lnTo>
-                  <a:pt x="0" y="296366"/>
-                </a:lnTo>
-                <a:lnTo>
-                  <a:pt x="0" y="0"/>
-                </a:lnTo>
-                <a:close/>
-              </a:path>
-            </a:pathLst>
-          </a:custGeom>
-          <a:blipFill>
-            <a:blip r:embed="rId2">
-              <a:extLst>
-                <a:ext uri="{96DAC541-7B7A-43D3-8B79-37D633B846F1}">
-                  <asvg:svgBlip xmlns:asvg="http://schemas.microsoft.com/office/drawing/2016/SVG/main" r:embed="rId3"/>
-                </a:ext>
-              </a:extLst>
-            </a:blip>
-            <a:stretch>
-              <a:fillRect l="0" t="0" r="0" b="0"/>
-            </a:stretch>
-          </a:blipFill>
-        </p:spPr>
-      </p:sp>
-      <p:sp>
-        <p:nvSpPr>
-          <p:cNvPr name="Freeform 3" id="3"/>
-          <p:cNvSpPr/>
-          <p:nvPr/>
-        </p:nvSpPr>
-        <p:spPr>
-          <a:xfrm flipH="false" flipV="false" rot="0">
-            <a:off x="-2843309" y="1268486"/>
-            <a:ext cx="6873872" cy="162473"/>
-          </a:xfrm>
-          <a:custGeom>
-            <a:avLst/>
-            <a:gdLst/>
-            <a:ahLst/>
-            <a:cxnLst/>
-            <a:rect r="r" b="b" t="t" l="l"/>
-            <a:pathLst>
-              <a:path h="162473" w="6873872">
-                <a:moveTo>
-                  <a:pt x="0" y="0"/>
-                </a:moveTo>
-                <a:lnTo>
-                  <a:pt x="6873873" y="0"/>
-                </a:lnTo>
-                <a:lnTo>
-                  <a:pt x="6873873" y="162473"/>
-                </a:lnTo>
-                <a:lnTo>
-                  <a:pt x="0" y="162473"/>
-                </a:lnTo>
-                <a:lnTo>
-                  <a:pt x="0" y="0"/>
-                </a:lnTo>
-                <a:close/>
-              </a:path>
-            </a:pathLst>
-          </a:custGeom>
-          <a:blipFill>
-            <a:blip r:embed="rId4">
-              <a:extLst>
-                <a:ext uri="{96DAC541-7B7A-43D3-8B79-37D633B846F1}">
-                  <asvg:svgBlip xmlns:asvg="http://schemas.microsoft.com/office/drawing/2016/SVG/main" r:embed="rId5"/>
-                </a:ext>
-              </a:extLst>
-            </a:blip>
-            <a:stretch>
-              <a:fillRect l="0" t="0" r="0" b="0"/>
-            </a:stretch>
-          </a:blipFill>
-        </p:spPr>
-      </p:sp>
-      <p:sp>
-        <p:nvSpPr>
-          <p:cNvPr name="Freeform 4" id="4"/>
-          <p:cNvSpPr/>
-          <p:nvPr/>
-        </p:nvSpPr>
-        <p:spPr>
-          <a:xfrm flipH="false" flipV="false" rot="0">
-            <a:off x="1059746" y="760598"/>
-            <a:ext cx="300896" cy="300896"/>
-          </a:xfrm>
-          <a:custGeom>
-            <a:avLst/>
-            <a:gdLst/>
-            <a:ahLst/>
-            <a:cxnLst/>
-            <a:rect r="r" b="b" t="t" l="l"/>
-            <a:pathLst>
-              <a:path h="300896" w="300896">
-                <a:moveTo>
-                  <a:pt x="0" y="0"/>
-                </a:moveTo>
-                <a:lnTo>
-                  <a:pt x="300896" y="0"/>
-                </a:lnTo>
-                <a:lnTo>
-                  <a:pt x="300896" y="300895"/>
-                </a:lnTo>
-                <a:lnTo>
-                  <a:pt x="0" y="300895"/>
-                </a:lnTo>
-                <a:lnTo>
-                  <a:pt x="0" y="0"/>
-                </a:lnTo>
-                <a:close/>
-              </a:path>
-            </a:pathLst>
-          </a:custGeom>
-          <a:blipFill>
-            <a:blip r:embed="rId6">
-              <a:extLst>
-                <a:ext uri="{96DAC541-7B7A-43D3-8B79-37D633B846F1}">
-                  <asvg:svgBlip xmlns:asvg="http://schemas.microsoft.com/office/drawing/2016/SVG/main" r:embed="rId7"/>
-                </a:ext>
-              </a:extLst>
-            </a:blip>
-            <a:stretch>
-              <a:fillRect l="0" t="0" r="0" b="0"/>
-            </a:stretch>
-          </a:blipFill>
-        </p:spPr>
-      </p:sp>
-      <p:sp>
-        <p:nvSpPr>
-          <p:cNvPr name="Freeform 5" id="5"/>
-          <p:cNvSpPr/>
-          <p:nvPr/>
-        </p:nvSpPr>
-        <p:spPr>
-          <a:xfrm flipH="false" flipV="false" rot="0">
-            <a:off x="3516711" y="1654897"/>
-            <a:ext cx="11254579" cy="8079484"/>
-          </a:xfrm>
-          <a:custGeom>
-            <a:avLst/>
-            <a:gdLst/>
-            <a:ahLst/>
-            <a:cxnLst/>
-            <a:rect r="r" b="b" t="t" l="l"/>
-            <a:pathLst>
-              <a:path h="8079484" w="11254579">
-                <a:moveTo>
-                  <a:pt x="0" y="0"/>
-                </a:moveTo>
-                <a:lnTo>
-                  <a:pt x="11254578" y="0"/>
-                </a:lnTo>
-                <a:lnTo>
-                  <a:pt x="11254578" y="8079484"/>
-                </a:lnTo>
-                <a:lnTo>
-                  <a:pt x="0" y="8079484"/>
-                </a:lnTo>
-                <a:lnTo>
-                  <a:pt x="0" y="0"/>
-                </a:lnTo>
-                <a:close/>
-              </a:path>
-            </a:pathLst>
-          </a:custGeom>
-          <a:blipFill>
-            <a:blip r:embed="rId8"/>
-            <a:stretch>
-              <a:fillRect l="0" t="0" r="0" b="0"/>
-            </a:stretch>
-          </a:blipFill>
-        </p:spPr>
-      </p:sp>
-      <p:sp>
-        <p:nvSpPr>
-          <p:cNvPr name="TextBox 6" id="6"/>
-          <p:cNvSpPr txBox="true"/>
-          <p:nvPr/>
-        </p:nvSpPr>
-        <p:spPr>
-          <a:xfrm rot="0">
-            <a:off x="4283973" y="144492"/>
-            <a:ext cx="10281557" cy="1200785"/>
-          </a:xfrm>
-          <a:prstGeom prst="rect">
-            <a:avLst/>
-          </a:prstGeom>
-        </p:spPr>
-        <p:txBody>
-          <a:bodyPr anchor="t" rtlCol="false" tIns="0" lIns="0" bIns="0" rIns="0">
-            <a:spAutoFit/>
-          </a:bodyPr>
-          <a:lstStyle/>
-          <a:p>
-            <a:pPr>
-              <a:lnSpc>
-                <a:spcPts val="8469"/>
-              </a:lnSpc>
-            </a:pPr>
-            <a:r>
-              <a:rPr lang="en-US" sz="6999">
-                <a:solidFill>
-                  <a:srgbClr val="FFFFFF"/>
-                </a:solidFill>
-                <a:latin typeface="Kollektif Bold"/>
-              </a:rPr>
-              <a:t>Paso 6, grabar cambios</a:t>
             </a:r>
           </a:p>
         </p:txBody>
